--- a/esercitazione7/Esercitazione8.pptx
+++ b/esercitazione7/Esercitazione8.pptx
@@ -13,16 +13,17 @@
     <p:sldId id="258" r:id="rId8"/>
     <p:sldId id="259" r:id="rId9"/>
     <p:sldId id="260" r:id="rId10"/>
+    <p:sldId id="261" r:id="rId11"/>
   </p:sldIdLst>
   <p:sldSz cy="5143500" cx="9144000"/>
   <p:notesSz cx="6858000" cy="9144000"/>
   <p:embeddedFontLst>
     <p:embeddedFont>
       <p:font typeface="Proxima Nova"/>
-      <p:regular r:id="rId11"/>
-      <p:bold r:id="rId12"/>
-      <p:italic r:id="rId13"/>
-      <p:boldItalic r:id="rId14"/>
+      <p:regular r:id="rId12"/>
+      <p:bold r:id="rId13"/>
+      <p:italic r:id="rId14"/>
+      <p:boldItalic r:id="rId15"/>
     </p:embeddedFont>
   </p:embeddedFontLst>
   <p:defaultTextStyle>
@@ -916,7 +917,7 @@
       </p:grpSpPr>
       <p:sp>
         <p:nvSpPr>
-          <p:cNvPr id="68" name="Google Shape;68;g105ed633702_0_10:notes"/>
+          <p:cNvPr id="68" name="Google Shape;68;g105ed633702_0_22:notes"/>
           <p:cNvSpPr/>
           <p:nvPr>
             <p:ph idx="2" type="sldImg"/>
@@ -951,7 +952,7 @@
       </p:sp>
       <p:sp>
         <p:nvSpPr>
-          <p:cNvPr id="69" name="Google Shape;69;g105ed633702_0_10:notes"/>
+          <p:cNvPr id="69" name="Google Shape;69;g105ed633702_0_22:notes"/>
           <p:cNvSpPr txBox="1"/>
           <p:nvPr>
             <p:ph idx="1" type="body"/>
@@ -1001,7 +1002,7 @@
   <p:cSld>
     <p:spTree>
       <p:nvGrpSpPr>
-        <p:cNvPr id="74" name="Shape 74"/>
+        <p:cNvPr id="78" name="Shape 78"/>
         <p:cNvGrpSpPr/>
         <p:nvPr/>
       </p:nvGrpSpPr>
@@ -1015,7 +1016,7 @@
       </p:grpSpPr>
       <p:sp>
         <p:nvSpPr>
-          <p:cNvPr id="75" name="Google Shape;75;g105ed633702_0_16:notes"/>
+          <p:cNvPr id="79" name="Google Shape;79;g105ed633702_0_10:notes"/>
           <p:cNvSpPr/>
           <p:nvPr>
             <p:ph idx="2" type="sldImg"/>
@@ -1050,7 +1051,7 @@
       </p:sp>
       <p:sp>
         <p:nvSpPr>
-          <p:cNvPr id="76" name="Google Shape;76;g105ed633702_0_16:notes"/>
+          <p:cNvPr id="80" name="Google Shape;80;g105ed633702_0_10:notes"/>
           <p:cNvSpPr txBox="1"/>
           <p:nvPr>
             <p:ph idx="1" type="body"/>
@@ -1100,7 +1101,7 @@
   <p:cSld>
     <p:spTree>
       <p:nvGrpSpPr>
-        <p:cNvPr id="84" name="Shape 84"/>
+        <p:cNvPr id="86" name="Shape 86"/>
         <p:cNvGrpSpPr/>
         <p:nvPr/>
       </p:nvGrpSpPr>
@@ -1114,7 +1115,7 @@
       </p:grpSpPr>
       <p:sp>
         <p:nvSpPr>
-          <p:cNvPr id="85" name="Google Shape;85;g105ed633702_0_22:notes"/>
+          <p:cNvPr id="87" name="Google Shape;87;g1068fbf3b5a_0_4:notes"/>
           <p:cNvSpPr/>
           <p:nvPr>
             <p:ph idx="2" type="sldImg"/>
@@ -1149,7 +1150,106 @@
       </p:sp>
       <p:sp>
         <p:nvSpPr>
-          <p:cNvPr id="86" name="Google Shape;86;g105ed633702_0_22:notes"/>
+          <p:cNvPr id="88" name="Google Shape;88;g1068fbf3b5a_0_4:notes"/>
+          <p:cNvSpPr txBox="1"/>
+          <p:nvPr>
+            <p:ph idx="1" type="body"/>
+          </p:nvPr>
+        </p:nvSpPr>
+        <p:spPr>
+          <a:xfrm>
+            <a:off x="685800" y="4343400"/>
+            <a:ext cx="5486400" cy="4114800"/>
+          </a:xfrm>
+          <a:prstGeom prst="rect">
+            <a:avLst/>
+          </a:prstGeom>
+        </p:spPr>
+        <p:txBody>
+          <a:bodyPr anchorCtr="0" anchor="t" bIns="91425" lIns="91425" spcFirstLastPara="1" rIns="91425" wrap="square" tIns="91425">
+            <a:noAutofit/>
+          </a:bodyPr>
+          <a:lstStyle/>
+          <a:p>
+            <a:pPr indent="0" lvl="0" marL="0" rtl="0" algn="l">
+              <a:spcBef>
+                <a:spcPts val="0"/>
+              </a:spcBef>
+              <a:spcAft>
+                <a:spcPts val="0"/>
+              </a:spcAft>
+              <a:buNone/>
+            </a:pPr>
+            <a:r>
+              <a:t/>
+            </a:r>
+            <a:endParaRPr/>
+          </a:p>
+        </p:txBody>
+      </p:sp>
+    </p:spTree>
+  </p:cSld>
+  <p:clrMapOvr>
+    <a:masterClrMapping/>
+  </p:clrMapOvr>
+</p:notes>
+</file>
+
+<file path=ppt/notesSlides/notesSlide6.xml><?xml version="1.0" encoding="utf-8"?>
+<p:notes xmlns:a="http://schemas.openxmlformats.org/drawingml/2006/main" xmlns:r="http://schemas.openxmlformats.org/officeDocument/2006/relationships" xmlns:mc="http://schemas.openxmlformats.org/markup-compatibility/2006" xmlns:mv="urn:schemas-microsoft-com:mac:vml" xmlns:p="http://schemas.openxmlformats.org/presentationml/2006/main" xmlns:c="http://schemas.openxmlformats.org/drawingml/2006/chart" xmlns:dgm="http://schemas.openxmlformats.org/drawingml/2006/diagram" xmlns:o="urn:schemas-microsoft-com:office:office" xmlns:v="urn:schemas-microsoft-com:vml" xmlns:pvml="urn:schemas-microsoft-com:office:powerpoint" xmlns:com="http://schemas.openxmlformats.org/drawingml/2006/compatibility" xmlns:p14="http://schemas.microsoft.com/office/powerpoint/2010/main" xmlns:p15="http://schemas.microsoft.com/office/powerpoint/2012/main" xmlns:ahyp="http://schemas.microsoft.com/office/drawing/2018/hyperlinkcolor" showMasterPhAnim="0" showMasterSp="0">
+  <p:cSld>
+    <p:spTree>
+      <p:nvGrpSpPr>
+        <p:cNvPr id="95" name="Shape 95"/>
+        <p:cNvGrpSpPr/>
+        <p:nvPr/>
+      </p:nvGrpSpPr>
+      <p:grpSpPr>
+        <a:xfrm>
+          <a:off x="0" y="0"/>
+          <a:ext cx="0" cy="0"/>
+          <a:chOff x="0" y="0"/>
+          <a:chExt cx="0" cy="0"/>
+        </a:xfrm>
+      </p:grpSpPr>
+      <p:sp>
+        <p:nvSpPr>
+          <p:cNvPr id="96" name="Google Shape;96;g105ed633702_0_16:notes"/>
+          <p:cNvSpPr/>
+          <p:nvPr>
+            <p:ph idx="2" type="sldImg"/>
+          </p:nvPr>
+        </p:nvSpPr>
+        <p:spPr>
+          <a:xfrm>
+            <a:off x="381300" y="685800"/>
+            <a:ext cx="6096000" cy="3429000"/>
+          </a:xfrm>
+          <a:custGeom>
+            <a:rect b="b" l="l" r="r" t="t"/>
+            <a:pathLst>
+              <a:path extrusionOk="0" h="120000" w="120000">
+                <a:moveTo>
+                  <a:pt x="0" y="0"/>
+                </a:moveTo>
+                <a:lnTo>
+                  <a:pt x="120000" y="0"/>
+                </a:lnTo>
+                <a:lnTo>
+                  <a:pt x="120000" y="120000"/>
+                </a:lnTo>
+                <a:lnTo>
+                  <a:pt x="0" y="120000"/>
+                </a:lnTo>
+                <a:close/>
+              </a:path>
+            </a:pathLst>
+          </a:custGeom>
+        </p:spPr>
+      </p:sp>
+      <p:sp>
+        <p:nvSpPr>
+          <p:cNvPr id="97" name="Google Shape;97;g105ed633702_0_16:notes"/>
           <p:cNvSpPr txBox="1"/>
           <p:nvPr>
             <p:ph idx="1" type="body"/>
@@ -7057,9 +7157,650 @@
           <a:chExt cx="0" cy="0"/>
         </a:xfrm>
       </p:grpSpPr>
+      <p:pic>
+        <p:nvPicPr>
+          <p:cNvPr id="71" name="Google Shape;71;p15"/>
+          <p:cNvPicPr preferRelativeResize="0"/>
+          <p:nvPr/>
+        </p:nvPicPr>
+        <p:blipFill>
+          <a:blip r:embed="rId3">
+            <a:alphaModFix/>
+          </a:blip>
+          <a:stretch>
+            <a:fillRect/>
+          </a:stretch>
+        </p:blipFill>
+        <p:spPr>
+          <a:xfrm>
+            <a:off x="4702100" y="872563"/>
+            <a:ext cx="4305300" cy="1676400"/>
+          </a:xfrm>
+          <a:prstGeom prst="rect">
+            <a:avLst/>
+          </a:prstGeom>
+          <a:noFill/>
+          <a:ln>
+            <a:noFill/>
+          </a:ln>
+        </p:spPr>
+      </p:pic>
       <p:sp>
         <p:nvSpPr>
-          <p:cNvPr id="71" name="Google Shape;71;p15"/>
+          <p:cNvPr id="72" name="Google Shape;72;p15"/>
+          <p:cNvSpPr txBox="1"/>
+          <p:nvPr>
+            <p:ph type="title"/>
+          </p:nvPr>
+        </p:nvSpPr>
+        <p:spPr>
+          <a:xfrm>
+            <a:off x="266700" y="82950"/>
+            <a:ext cx="8520600" cy="572700"/>
+          </a:xfrm>
+          <a:prstGeom prst="rect">
+            <a:avLst/>
+          </a:prstGeom>
+        </p:spPr>
+        <p:txBody>
+          <a:bodyPr anchorCtr="0" anchor="t" bIns="91425" lIns="91425" spcFirstLastPara="1" rIns="91425" wrap="square" tIns="91425">
+            <a:normAutofit fontScale="90000"/>
+          </a:bodyPr>
+          <a:lstStyle/>
+          <a:p>
+            <a:pPr indent="0" lvl="0" marL="0" rtl="0" algn="l">
+              <a:spcBef>
+                <a:spcPts val="0"/>
+              </a:spcBef>
+              <a:spcAft>
+                <a:spcPts val="0"/>
+              </a:spcAft>
+              <a:buNone/>
+            </a:pPr>
+            <a:r>
+              <a:rPr lang="it"/>
+              <a:t>XDR: Definizioni (procedure.x)</a:t>
+            </a:r>
+            <a:endParaRPr/>
+          </a:p>
+        </p:txBody>
+      </p:sp>
+      <p:sp>
+        <p:nvSpPr>
+          <p:cNvPr id="73" name="Google Shape;73;p15"/>
+          <p:cNvSpPr txBox="1"/>
+          <p:nvPr/>
+        </p:nvSpPr>
+        <p:spPr>
+          <a:xfrm>
+            <a:off x="266700" y="3588225"/>
+            <a:ext cx="4713600" cy="554100"/>
+          </a:xfrm>
+          <a:prstGeom prst="rect">
+            <a:avLst/>
+          </a:prstGeom>
+          <a:noFill/>
+          <a:ln>
+            <a:noFill/>
+          </a:ln>
+        </p:spPr>
+        <p:txBody>
+          <a:bodyPr anchorCtr="0" anchor="t" bIns="91425" lIns="91425" spcFirstLastPara="1" rIns="91425" wrap="square" tIns="91425">
+            <a:spAutoFit/>
+          </a:bodyPr>
+          <a:lstStyle/>
+          <a:p>
+            <a:pPr indent="0" lvl="0" marL="0" rtl="0" algn="l">
+              <a:spcBef>
+                <a:spcPts val="0"/>
+              </a:spcBef>
+              <a:spcAft>
+                <a:spcPts val="0"/>
+              </a:spcAft>
+              <a:buNone/>
+            </a:pPr>
+            <a:r>
+              <a:rPr lang="it" sz="1200">
+                <a:solidFill>
+                  <a:schemeClr val="accent2"/>
+                </a:solidFill>
+                <a:latin typeface="Proxima Nova"/>
+                <a:ea typeface="Proxima Nova"/>
+                <a:cs typeface="Proxima Nova"/>
+                <a:sym typeface="Proxima Nova"/>
+              </a:rPr>
+              <a:t>Per generare </a:t>
+            </a:r>
+            <a:r>
+              <a:rPr b="1" lang="it" sz="1200">
+                <a:solidFill>
+                  <a:schemeClr val="accent2"/>
+                </a:solidFill>
+                <a:latin typeface="Proxima Nova"/>
+                <a:ea typeface="Proxima Nova"/>
+                <a:cs typeface="Proxima Nova"/>
+                <a:sym typeface="Proxima Nova"/>
+              </a:rPr>
+              <a:t>header stub e file conversioni</a:t>
+            </a:r>
+            <a:r>
+              <a:rPr lang="it" sz="1200">
+                <a:solidFill>
+                  <a:schemeClr val="accent2"/>
+                </a:solidFill>
+                <a:latin typeface="Proxima Nova"/>
+                <a:ea typeface="Proxima Nova"/>
+                <a:cs typeface="Proxima Nova"/>
+                <a:sym typeface="Proxima Nova"/>
+              </a:rPr>
+              <a:t>:</a:t>
+            </a:r>
+            <a:endParaRPr sz="1200">
+              <a:solidFill>
+                <a:schemeClr val="accent2"/>
+              </a:solidFill>
+              <a:latin typeface="Proxima Nova"/>
+              <a:ea typeface="Proxima Nova"/>
+              <a:cs typeface="Proxima Nova"/>
+              <a:sym typeface="Proxima Nova"/>
+            </a:endParaRPr>
+          </a:p>
+          <a:p>
+            <a:pPr indent="0" lvl="0" marL="0" rtl="0" algn="l">
+              <a:spcBef>
+                <a:spcPts val="0"/>
+              </a:spcBef>
+              <a:spcAft>
+                <a:spcPts val="0"/>
+              </a:spcAft>
+              <a:buNone/>
+            </a:pPr>
+            <a:r>
+              <a:rPr lang="it" sz="1200">
+                <a:solidFill>
+                  <a:schemeClr val="accent2"/>
+                </a:solidFill>
+                <a:latin typeface="Proxima Nova"/>
+                <a:ea typeface="Proxima Nova"/>
+                <a:cs typeface="Proxima Nova"/>
+                <a:sym typeface="Proxima Nova"/>
+              </a:rPr>
+              <a:t>rpcgen procedure.x</a:t>
+            </a:r>
+            <a:endParaRPr sz="1200">
+              <a:solidFill>
+                <a:schemeClr val="accent2"/>
+              </a:solidFill>
+              <a:latin typeface="Proxima Nova"/>
+              <a:ea typeface="Proxima Nova"/>
+              <a:cs typeface="Proxima Nova"/>
+              <a:sym typeface="Proxima Nova"/>
+            </a:endParaRPr>
+          </a:p>
+        </p:txBody>
+      </p:sp>
+      <p:sp>
+        <p:nvSpPr>
+          <p:cNvPr id="74" name="Google Shape;74;p15"/>
+          <p:cNvSpPr txBox="1"/>
+          <p:nvPr/>
+        </p:nvSpPr>
+        <p:spPr>
+          <a:xfrm>
+            <a:off x="266700" y="980513"/>
+            <a:ext cx="4713600" cy="738900"/>
+          </a:xfrm>
+          <a:prstGeom prst="rect">
+            <a:avLst/>
+          </a:prstGeom>
+          <a:noFill/>
+          <a:ln>
+            <a:noFill/>
+          </a:ln>
+        </p:spPr>
+        <p:txBody>
+          <a:bodyPr anchorCtr="0" anchor="t" bIns="91425" lIns="91425" spcFirstLastPara="1" rIns="91425" wrap="square" tIns="91425">
+            <a:spAutoFit/>
+          </a:bodyPr>
+          <a:lstStyle/>
+          <a:p>
+            <a:pPr indent="0" lvl="0" marL="0" rtl="0" algn="l">
+              <a:spcBef>
+                <a:spcPts val="0"/>
+              </a:spcBef>
+              <a:spcAft>
+                <a:spcPts val="0"/>
+              </a:spcAft>
+              <a:buNone/>
+            </a:pPr>
+            <a:r>
+              <a:rPr lang="it" sz="1200">
+                <a:solidFill>
+                  <a:schemeClr val="accent2"/>
+                </a:solidFill>
+                <a:latin typeface="Proxima Nova"/>
+                <a:ea typeface="Proxima Nova"/>
+                <a:cs typeface="Proxima Nova"/>
+                <a:sym typeface="Proxima Nova"/>
+              </a:rPr>
+              <a:t>Per generare il </a:t>
+            </a:r>
+            <a:r>
+              <a:rPr b="1" lang="it" sz="1200">
+                <a:solidFill>
+                  <a:schemeClr val="accent2"/>
+                </a:solidFill>
+                <a:latin typeface="Proxima Nova"/>
+                <a:ea typeface="Proxima Nova"/>
+                <a:cs typeface="Proxima Nova"/>
+                <a:sym typeface="Proxima Nova"/>
+              </a:rPr>
+              <a:t>Client</a:t>
+            </a:r>
+            <a:r>
+              <a:rPr lang="it" sz="1200">
+                <a:solidFill>
+                  <a:schemeClr val="accent2"/>
+                </a:solidFill>
+                <a:latin typeface="Proxima Nova"/>
+                <a:ea typeface="Proxima Nova"/>
+                <a:cs typeface="Proxima Nova"/>
+                <a:sym typeface="Proxima Nova"/>
+              </a:rPr>
+              <a:t>:</a:t>
+            </a:r>
+            <a:endParaRPr sz="1200">
+              <a:solidFill>
+                <a:schemeClr val="accent2"/>
+              </a:solidFill>
+              <a:latin typeface="Proxima Nova"/>
+              <a:ea typeface="Proxima Nova"/>
+              <a:cs typeface="Proxima Nova"/>
+              <a:sym typeface="Proxima Nova"/>
+            </a:endParaRPr>
+          </a:p>
+          <a:p>
+            <a:pPr indent="0" lvl="0" marL="0" rtl="0" algn="l">
+              <a:spcBef>
+                <a:spcPts val="0"/>
+              </a:spcBef>
+              <a:spcAft>
+                <a:spcPts val="0"/>
+              </a:spcAft>
+              <a:buNone/>
+            </a:pPr>
+            <a:r>
+              <a:rPr lang="it" sz="1200">
+                <a:solidFill>
+                  <a:schemeClr val="accent2"/>
+                </a:solidFill>
+                <a:latin typeface="Proxima Nova"/>
+                <a:ea typeface="Proxima Nova"/>
+                <a:cs typeface="Proxima Nova"/>
+                <a:sym typeface="Proxima Nova"/>
+              </a:rPr>
+              <a:t>gcc -o procedure procedure_client.c procedure_clnt.c procedure_xdr.c</a:t>
+            </a:r>
+            <a:endParaRPr sz="1200">
+              <a:solidFill>
+                <a:schemeClr val="accent2"/>
+              </a:solidFill>
+              <a:latin typeface="Proxima Nova"/>
+              <a:ea typeface="Proxima Nova"/>
+              <a:cs typeface="Proxima Nova"/>
+              <a:sym typeface="Proxima Nova"/>
+            </a:endParaRPr>
+          </a:p>
+        </p:txBody>
+      </p:sp>
+      <p:sp>
+        <p:nvSpPr>
+          <p:cNvPr id="75" name="Google Shape;75;p15"/>
+          <p:cNvSpPr txBox="1"/>
+          <p:nvPr/>
+        </p:nvSpPr>
+        <p:spPr>
+          <a:xfrm>
+            <a:off x="266700" y="2300763"/>
+            <a:ext cx="4713600" cy="738900"/>
+          </a:xfrm>
+          <a:prstGeom prst="rect">
+            <a:avLst/>
+          </a:prstGeom>
+          <a:noFill/>
+          <a:ln>
+            <a:noFill/>
+          </a:ln>
+        </p:spPr>
+        <p:txBody>
+          <a:bodyPr anchorCtr="0" anchor="t" bIns="91425" lIns="91425" spcFirstLastPara="1" rIns="91425" wrap="square" tIns="91425">
+            <a:spAutoFit/>
+          </a:bodyPr>
+          <a:lstStyle/>
+          <a:p>
+            <a:pPr indent="0" lvl="0" marL="0" rtl="0" algn="l">
+              <a:spcBef>
+                <a:spcPts val="0"/>
+              </a:spcBef>
+              <a:spcAft>
+                <a:spcPts val="0"/>
+              </a:spcAft>
+              <a:buNone/>
+            </a:pPr>
+            <a:r>
+              <a:rPr lang="it" sz="1200">
+                <a:solidFill>
+                  <a:schemeClr val="accent2"/>
+                </a:solidFill>
+                <a:latin typeface="Proxima Nova"/>
+                <a:ea typeface="Proxima Nova"/>
+                <a:cs typeface="Proxima Nova"/>
+                <a:sym typeface="Proxima Nova"/>
+              </a:rPr>
+              <a:t>Per generare il </a:t>
+            </a:r>
+            <a:r>
+              <a:rPr b="1" lang="it" sz="1200">
+                <a:solidFill>
+                  <a:schemeClr val="accent2"/>
+                </a:solidFill>
+                <a:latin typeface="Proxima Nova"/>
+                <a:ea typeface="Proxima Nova"/>
+                <a:cs typeface="Proxima Nova"/>
+                <a:sym typeface="Proxima Nova"/>
+              </a:rPr>
+              <a:t>Server</a:t>
+            </a:r>
+            <a:r>
+              <a:rPr lang="it" sz="1200">
+                <a:solidFill>
+                  <a:schemeClr val="accent2"/>
+                </a:solidFill>
+                <a:latin typeface="Proxima Nova"/>
+                <a:ea typeface="Proxima Nova"/>
+                <a:cs typeface="Proxima Nova"/>
+                <a:sym typeface="Proxima Nova"/>
+              </a:rPr>
+              <a:t>:</a:t>
+            </a:r>
+            <a:endParaRPr sz="1200">
+              <a:solidFill>
+                <a:schemeClr val="accent2"/>
+              </a:solidFill>
+              <a:latin typeface="Proxima Nova"/>
+              <a:ea typeface="Proxima Nova"/>
+              <a:cs typeface="Proxima Nova"/>
+              <a:sym typeface="Proxima Nova"/>
+            </a:endParaRPr>
+          </a:p>
+          <a:p>
+            <a:pPr indent="0" lvl="0" marL="0" rtl="0" algn="l">
+              <a:spcBef>
+                <a:spcPts val="0"/>
+              </a:spcBef>
+              <a:spcAft>
+                <a:spcPts val="0"/>
+              </a:spcAft>
+              <a:buNone/>
+            </a:pPr>
+            <a:r>
+              <a:rPr lang="it" sz="1200">
+                <a:solidFill>
+                  <a:schemeClr val="accent2"/>
+                </a:solidFill>
+                <a:latin typeface="Proxima Nova"/>
+                <a:ea typeface="Proxima Nova"/>
+                <a:cs typeface="Proxima Nova"/>
+                <a:sym typeface="Proxima Nova"/>
+              </a:rPr>
+              <a:t>gcc -o procedure_server procedure_proc.c procedure_svc.c procedure_xdr.c </a:t>
+            </a:r>
+            <a:endParaRPr sz="1200">
+              <a:solidFill>
+                <a:schemeClr val="accent2"/>
+              </a:solidFill>
+              <a:latin typeface="Proxima Nova"/>
+              <a:ea typeface="Proxima Nova"/>
+              <a:cs typeface="Proxima Nova"/>
+              <a:sym typeface="Proxima Nova"/>
+            </a:endParaRPr>
+          </a:p>
+        </p:txBody>
+      </p:sp>
+      <p:sp>
+        <p:nvSpPr>
+          <p:cNvPr id="76" name="Google Shape;76;p15"/>
+          <p:cNvSpPr/>
+          <p:nvPr/>
+        </p:nvSpPr>
+        <p:spPr>
+          <a:xfrm rot="10800000">
+            <a:off x="3756900" y="3212100"/>
+            <a:ext cx="4617000" cy="1371900"/>
+          </a:xfrm>
+          <a:prstGeom prst="rightArrowCallout">
+            <a:avLst>
+              <a:gd fmla="val 25000" name="adj1"/>
+              <a:gd fmla="val 25000" name="adj2"/>
+              <a:gd fmla="val 25000" name="adj3"/>
+              <a:gd fmla="val 74013" name="adj4"/>
+            </a:avLst>
+          </a:prstGeom>
+          <a:noFill/>
+          <a:ln cap="flat" cmpd="sng" w="19050">
+            <a:solidFill>
+              <a:schemeClr val="dk2"/>
+            </a:solidFill>
+            <a:prstDash val="solid"/>
+            <a:round/>
+            <a:headEnd len="sm" w="sm" type="none"/>
+            <a:tailEnd len="sm" w="sm" type="none"/>
+          </a:ln>
+        </p:spPr>
+        <p:txBody>
+          <a:bodyPr anchorCtr="0" anchor="ctr" bIns="91425" lIns="91425" spcFirstLastPara="1" rIns="91425" wrap="square" tIns="91425">
+            <a:noAutofit/>
+          </a:bodyPr>
+          <a:lstStyle/>
+          <a:p>
+            <a:pPr indent="0" lvl="0" marL="0" rtl="0" algn="l">
+              <a:spcBef>
+                <a:spcPts val="0"/>
+              </a:spcBef>
+              <a:spcAft>
+                <a:spcPts val="0"/>
+              </a:spcAft>
+              <a:buNone/>
+            </a:pPr>
+            <a:r>
+              <a:t/>
+            </a:r>
+            <a:endParaRPr/>
+          </a:p>
+        </p:txBody>
+      </p:sp>
+      <p:sp>
+        <p:nvSpPr>
+          <p:cNvPr id="77" name="Google Shape;77;p15"/>
+          <p:cNvSpPr txBox="1"/>
+          <p:nvPr/>
+        </p:nvSpPr>
+        <p:spPr>
+          <a:xfrm>
+            <a:off x="5163100" y="3282300"/>
+            <a:ext cx="2911500" cy="1231500"/>
+          </a:xfrm>
+          <a:prstGeom prst="rect">
+            <a:avLst/>
+          </a:prstGeom>
+          <a:noFill/>
+          <a:ln>
+            <a:noFill/>
+          </a:ln>
+        </p:spPr>
+        <p:txBody>
+          <a:bodyPr anchorCtr="0" anchor="t" bIns="91425" lIns="91425" spcFirstLastPara="1" rIns="91425" wrap="square" tIns="91425">
+            <a:spAutoFit/>
+          </a:bodyPr>
+          <a:lstStyle/>
+          <a:p>
+            <a:pPr indent="0" lvl="0" marL="0" rtl="0" algn="ctr">
+              <a:spcBef>
+                <a:spcPts val="0"/>
+              </a:spcBef>
+              <a:spcAft>
+                <a:spcPts val="0"/>
+              </a:spcAft>
+              <a:buNone/>
+            </a:pPr>
+            <a:r>
+              <a:rPr lang="it" sz="1700">
+                <a:solidFill>
+                  <a:schemeClr val="accent2"/>
+                </a:solidFill>
+                <a:latin typeface="Proxima Nova"/>
+                <a:ea typeface="Proxima Nova"/>
+                <a:cs typeface="Proxima Nova"/>
+                <a:sym typeface="Proxima Nova"/>
+              </a:rPr>
+              <a:t>procedure.h</a:t>
+            </a:r>
+            <a:endParaRPr sz="1700">
+              <a:solidFill>
+                <a:schemeClr val="accent2"/>
+              </a:solidFill>
+              <a:latin typeface="Proxima Nova"/>
+              <a:ea typeface="Proxima Nova"/>
+              <a:cs typeface="Proxima Nova"/>
+              <a:sym typeface="Proxima Nova"/>
+            </a:endParaRPr>
+          </a:p>
+          <a:p>
+            <a:pPr indent="0" lvl="0" marL="0" rtl="0" algn="ctr">
+              <a:spcBef>
+                <a:spcPts val="0"/>
+              </a:spcBef>
+              <a:spcAft>
+                <a:spcPts val="0"/>
+              </a:spcAft>
+              <a:buNone/>
+            </a:pPr>
+            <a:r>
+              <a:rPr lang="it" sz="1700">
+                <a:solidFill>
+                  <a:schemeClr val="accent2"/>
+                </a:solidFill>
+                <a:latin typeface="Proxima Nova"/>
+                <a:ea typeface="Proxima Nova"/>
+                <a:cs typeface="Proxima Nova"/>
+                <a:sym typeface="Proxima Nova"/>
+              </a:rPr>
+              <a:t>procedure_xdr.c</a:t>
+            </a:r>
+            <a:endParaRPr sz="1700">
+              <a:solidFill>
+                <a:schemeClr val="accent2"/>
+              </a:solidFill>
+              <a:latin typeface="Proxima Nova"/>
+              <a:ea typeface="Proxima Nova"/>
+              <a:cs typeface="Proxima Nova"/>
+              <a:sym typeface="Proxima Nova"/>
+            </a:endParaRPr>
+          </a:p>
+          <a:p>
+            <a:pPr indent="0" lvl="0" marL="0" rtl="0" algn="ctr">
+              <a:spcBef>
+                <a:spcPts val="0"/>
+              </a:spcBef>
+              <a:spcAft>
+                <a:spcPts val="0"/>
+              </a:spcAft>
+              <a:buNone/>
+            </a:pPr>
+            <a:r>
+              <a:rPr lang="it" sz="1700">
+                <a:solidFill>
+                  <a:srgbClr val="CC0000"/>
+                </a:solidFill>
+                <a:latin typeface="Proxima Nova"/>
+                <a:ea typeface="Proxima Nova"/>
+                <a:cs typeface="Proxima Nova"/>
+                <a:sym typeface="Proxima Nova"/>
+              </a:rPr>
+              <a:t>procedure_clnt.c</a:t>
+            </a:r>
+            <a:endParaRPr sz="1700">
+              <a:solidFill>
+                <a:srgbClr val="CC0000"/>
+              </a:solidFill>
+              <a:latin typeface="Proxima Nova"/>
+              <a:ea typeface="Proxima Nova"/>
+              <a:cs typeface="Proxima Nova"/>
+              <a:sym typeface="Proxima Nova"/>
+            </a:endParaRPr>
+          </a:p>
+          <a:p>
+            <a:pPr indent="0" lvl="0" marL="0" rtl="0" algn="ctr">
+              <a:spcBef>
+                <a:spcPts val="0"/>
+              </a:spcBef>
+              <a:spcAft>
+                <a:spcPts val="0"/>
+              </a:spcAft>
+              <a:buNone/>
+            </a:pPr>
+            <a:r>
+              <a:rPr lang="it" sz="1700">
+                <a:solidFill>
+                  <a:srgbClr val="CC0000"/>
+                </a:solidFill>
+                <a:latin typeface="Proxima Nova"/>
+                <a:ea typeface="Proxima Nova"/>
+                <a:cs typeface="Proxima Nova"/>
+                <a:sym typeface="Proxima Nova"/>
+              </a:rPr>
+              <a:t>procedure_svc.c</a:t>
+            </a:r>
+            <a:endParaRPr sz="1700">
+              <a:solidFill>
+                <a:srgbClr val="CC0000"/>
+              </a:solidFill>
+              <a:latin typeface="Proxima Nova"/>
+              <a:ea typeface="Proxima Nova"/>
+              <a:cs typeface="Proxima Nova"/>
+              <a:sym typeface="Proxima Nova"/>
+            </a:endParaRPr>
+          </a:p>
+        </p:txBody>
+      </p:sp>
+    </p:spTree>
+  </p:cSld>
+  <p:clrMapOvr>
+    <a:masterClrMapping/>
+  </p:clrMapOvr>
+</p:sld>
+</file>
+
+<file path=ppt/slides/slide4.xml><?xml version="1.0" encoding="utf-8"?>
+<p:sld xmlns:a="http://schemas.openxmlformats.org/drawingml/2006/main" xmlns:r="http://schemas.openxmlformats.org/officeDocument/2006/relationships" xmlns:mc="http://schemas.openxmlformats.org/markup-compatibility/2006" xmlns:mv="urn:schemas-microsoft-com:mac:vml" xmlns:p="http://schemas.openxmlformats.org/presentationml/2006/main" xmlns:c="http://schemas.openxmlformats.org/drawingml/2006/chart" xmlns:dgm="http://schemas.openxmlformats.org/drawingml/2006/diagram" xmlns:o="urn:schemas-microsoft-com:office:office" xmlns:v="urn:schemas-microsoft-com:vml" xmlns:pvml="urn:schemas-microsoft-com:office:powerpoint" xmlns:com="http://schemas.openxmlformats.org/drawingml/2006/compatibility" xmlns:p14="http://schemas.microsoft.com/office/powerpoint/2010/main" xmlns:p15="http://schemas.microsoft.com/office/powerpoint/2012/main" xmlns:ahyp="http://schemas.microsoft.com/office/drawing/2018/hyperlinkcolor">
+  <p:cSld>
+    <p:spTree>
+      <p:nvGrpSpPr>
+        <p:cNvPr id="81" name="Shape 81"/>
+        <p:cNvGrpSpPr/>
+        <p:nvPr/>
+      </p:nvGrpSpPr>
+      <p:grpSpPr>
+        <a:xfrm>
+          <a:off x="0" y="0"/>
+          <a:ext cx="0" cy="0"/>
+          <a:chOff x="0" y="0"/>
+          <a:chExt cx="0" cy="0"/>
+        </a:xfrm>
+      </p:grpSpPr>
+      <p:sp>
+        <p:nvSpPr>
+          <p:cNvPr id="82" name="Google Shape;82;p16"/>
           <p:cNvSpPr txBox="1"/>
           <p:nvPr>
             <p:ph type="title"/>
@@ -7100,7 +7841,7 @@
       </p:sp>
       <p:sp>
         <p:nvSpPr>
-          <p:cNvPr id="72" name="Google Shape;72;p15"/>
+          <p:cNvPr id="83" name="Google Shape;83;p16"/>
           <p:cNvSpPr txBox="1"/>
           <p:nvPr>
             <p:ph idx="1" type="body"/>
@@ -7108,7 +7849,7 @@
         </p:nvSpPr>
         <p:spPr>
           <a:xfrm>
-            <a:off x="153250" y="1774047"/>
+            <a:off x="264800" y="541247"/>
             <a:ext cx="3656100" cy="1171500"/>
           </a:xfrm>
           <a:prstGeom prst="rect">
@@ -7136,7 +7877,7 @@
             </a:pPr>
             <a:r>
               <a:rPr lang="it" sz="1200"/>
-              <a:t>Il Cilent da filtro in base alla procedura attiva la prima o la seconda procedura in modo ciclico</a:t>
+              <a:t>Il Cilent da filtro in base alla procedura attiva la prima o la seconda procedura in modo ciclico, controllando i vari parametri inseriti dall’utente.</a:t>
             </a:r>
             <a:endParaRPr sz="1200"/>
           </a:p>
@@ -7182,22 +7923,48 @@
       </p:sp>
       <p:pic>
         <p:nvPicPr>
-          <p:cNvPr id="73" name="Google Shape;73;p15"/>
+          <p:cNvPr id="84" name="Google Shape;84;p16"/>
           <p:cNvPicPr preferRelativeResize="0"/>
           <p:nvPr/>
         </p:nvPicPr>
-        <p:blipFill>
+        <p:blipFill rotWithShape="1">
           <a:blip r:embed="rId3">
             <a:alphaModFix/>
           </a:blip>
-          <a:stretch>
-            <a:fillRect/>
-          </a:stretch>
+          <a:srcRect b="11715" l="0" r="11715" t="0"/>
+          <a:stretch/>
         </p:blipFill>
         <p:spPr>
           <a:xfrm>
-            <a:off x="3961750" y="152400"/>
-            <a:ext cx="4804863" cy="4838700"/>
+            <a:off x="264800" y="1400425"/>
+            <a:ext cx="4307200" cy="3044600"/>
+          </a:xfrm>
+          <a:prstGeom prst="rect">
+            <a:avLst/>
+          </a:prstGeom>
+          <a:noFill/>
+          <a:ln>
+            <a:noFill/>
+          </a:ln>
+        </p:spPr>
+      </p:pic>
+      <p:pic>
+        <p:nvPicPr>
+          <p:cNvPr id="85" name="Google Shape;85;p16"/>
+          <p:cNvPicPr preferRelativeResize="0"/>
+          <p:nvPr/>
+        </p:nvPicPr>
+        <p:blipFill rotWithShape="1">
+          <a:blip r:embed="rId4">
+            <a:alphaModFix/>
+          </a:blip>
+          <a:srcRect b="3863" l="-3303" r="14271" t="7104"/>
+          <a:stretch/>
+        </p:blipFill>
+        <p:spPr>
+          <a:xfrm>
+            <a:off x="5516975" y="1400434"/>
+            <a:ext cx="2521096" cy="2981379"/>
           </a:xfrm>
           <a:prstGeom prst="rect">
             <a:avLst/>
@@ -7216,12 +7983,12 @@
 </p:sld>
 </file>
 
-<file path=ppt/slides/slide4.xml><?xml version="1.0" encoding="utf-8"?>
+<file path=ppt/slides/slide5.xml><?xml version="1.0" encoding="utf-8"?>
 <p:sld xmlns:a="http://schemas.openxmlformats.org/drawingml/2006/main" xmlns:r="http://schemas.openxmlformats.org/officeDocument/2006/relationships" xmlns:mc="http://schemas.openxmlformats.org/markup-compatibility/2006" xmlns:mv="urn:schemas-microsoft-com:mac:vml" xmlns:p="http://schemas.openxmlformats.org/presentationml/2006/main" xmlns:c="http://schemas.openxmlformats.org/drawingml/2006/chart" xmlns:dgm="http://schemas.openxmlformats.org/drawingml/2006/diagram" xmlns:o="urn:schemas-microsoft-com:office:office" xmlns:v="urn:schemas-microsoft-com:vml" xmlns:pvml="urn:schemas-microsoft-com:office:powerpoint" xmlns:com="http://schemas.openxmlformats.org/drawingml/2006/compatibility" xmlns:p14="http://schemas.microsoft.com/office/powerpoint/2010/main" xmlns:p15="http://schemas.microsoft.com/office/powerpoint/2012/main" xmlns:ahyp="http://schemas.microsoft.com/office/drawing/2018/hyperlinkcolor">
   <p:cSld>
     <p:spTree>
       <p:nvGrpSpPr>
-        <p:cNvPr id="77" name="Shape 77"/>
+        <p:cNvPr id="89" name="Shape 89"/>
         <p:cNvGrpSpPr/>
         <p:nvPr/>
       </p:nvGrpSpPr>
@@ -7233,9 +8000,36 @@
           <a:chExt cx="0" cy="0"/>
         </a:xfrm>
       </p:grpSpPr>
+      <p:pic>
+        <p:nvPicPr>
+          <p:cNvPr id="90" name="Google Shape;90;p17"/>
+          <p:cNvPicPr preferRelativeResize="0"/>
+          <p:nvPr/>
+        </p:nvPicPr>
+        <p:blipFill rotWithShape="1">
+          <a:blip r:embed="rId3">
+            <a:alphaModFix/>
+          </a:blip>
+          <a:srcRect b="0" l="0" r="0" t="0"/>
+          <a:stretch/>
+        </p:blipFill>
+        <p:spPr>
+          <a:xfrm>
+            <a:off x="4615675" y="321525"/>
+            <a:ext cx="3292225" cy="2398650"/>
+          </a:xfrm>
+          <a:prstGeom prst="rect">
+            <a:avLst/>
+          </a:prstGeom>
+          <a:noFill/>
+          <a:ln>
+            <a:noFill/>
+          </a:ln>
+        </p:spPr>
+      </p:pic>
       <p:sp>
         <p:nvSpPr>
-          <p:cNvPr id="78" name="Google Shape;78;p16"/>
+          <p:cNvPr id="91" name="Google Shape;91;p17"/>
           <p:cNvSpPr txBox="1"/>
           <p:nvPr>
             <p:ph type="title"/>
@@ -7268,7 +8062,7 @@
             </a:pPr>
             <a:r>
               <a:rPr lang="it" sz="2420"/>
-              <a:t>Implementazione</a:t>
+              <a:t>Implementazione (1)</a:t>
             </a:r>
             <a:endParaRPr sz="2420"/>
           </a:p>
@@ -7276,7 +8070,7 @@
       </p:sp>
       <p:sp>
         <p:nvSpPr>
-          <p:cNvPr id="79" name="Google Shape;79;p16"/>
+          <p:cNvPr id="92" name="Google Shape;92;p17"/>
           <p:cNvSpPr txBox="1"/>
           <p:nvPr>
             <p:ph idx="1" type="body"/>
@@ -7284,7 +8078,7 @@
         </p:nvSpPr>
         <p:spPr>
           <a:xfrm>
-            <a:off x="535150" y="801943"/>
+            <a:off x="322600" y="725418"/>
             <a:ext cx="3656100" cy="728400"/>
           </a:xfrm>
           <a:prstGeom prst="rect">
@@ -7315,7 +8109,11 @@
             </a:r>
             <a:r>
               <a:rPr lang="it" sz="1200"/>
-              <a:t> accetta nome di file e restituisce una struct di tre interi</a:t>
+              <a:t> accetta nome di file e restituisce una struct di tre interi. In caso di errore, restituisce -1 in tutti e 3 i campi della </a:t>
+            </a:r>
+            <a:r>
+              <a:rPr lang="it" sz="1200"/>
+              <a:t>struct</a:t>
             </a:r>
             <a:endParaRPr sz="1200"/>
           </a:p>
@@ -7359,35 +8157,7 @@
       </p:sp>
       <p:pic>
         <p:nvPicPr>
-          <p:cNvPr id="80" name="Google Shape;80;p16"/>
-          <p:cNvPicPr preferRelativeResize="0"/>
-          <p:nvPr/>
-        </p:nvPicPr>
-        <p:blipFill>
-          <a:blip r:embed="rId3">
-            <a:alphaModFix/>
-          </a:blip>
-          <a:stretch>
-            <a:fillRect/>
-          </a:stretch>
-        </p:blipFill>
-        <p:spPr>
-          <a:xfrm>
-            <a:off x="6341523" y="104223"/>
-            <a:ext cx="1908471" cy="1478050"/>
-          </a:xfrm>
-          <a:prstGeom prst="rect">
-            <a:avLst/>
-          </a:prstGeom>
-          <a:noFill/>
-          <a:ln>
-            <a:noFill/>
-          </a:ln>
-        </p:spPr>
-      </p:pic>
-      <p:pic>
-        <p:nvPicPr>
-          <p:cNvPr id="81" name="Google Shape;81;p16"/>
+          <p:cNvPr id="93" name="Google Shape;93;p17"/>
           <p:cNvPicPr preferRelativeResize="0"/>
           <p:nvPr/>
         </p:nvPicPr>
@@ -7401,8 +8171,8 @@
         </p:blipFill>
         <p:spPr>
           <a:xfrm>
-            <a:off x="247150" y="1989425"/>
-            <a:ext cx="7579576" cy="2910850"/>
+            <a:off x="4615675" y="2926750"/>
+            <a:ext cx="2270675" cy="1758550"/>
           </a:xfrm>
           <a:prstGeom prst="rect">
             <a:avLst/>
@@ -7415,14 +8185,14 @@
       </p:pic>
       <p:sp>
         <p:nvSpPr>
-          <p:cNvPr id="82" name="Google Shape;82;p16"/>
+          <p:cNvPr id="94" name="Google Shape;94;p17"/>
           <p:cNvSpPr txBox="1"/>
           <p:nvPr/>
         </p:nvSpPr>
         <p:spPr>
           <a:xfrm>
-            <a:off x="5923925" y="2315750"/>
-            <a:ext cx="3000000" cy="1369800"/>
+            <a:off x="322600" y="3111825"/>
+            <a:ext cx="2227800" cy="1388400"/>
           </a:xfrm>
           <a:prstGeom prst="rect">
             <a:avLst/>
@@ -7451,6 +8221,233 @@
               <a:buNone/>
             </a:pPr>
             <a:r>
+              <a:rPr lang="it" sz="1200">
+                <a:solidFill>
+                  <a:schemeClr val="accent3"/>
+                </a:solidFill>
+                <a:latin typeface="Proxima Nova"/>
+                <a:ea typeface="Proxima Nova"/>
+                <a:cs typeface="Proxima Nova"/>
+                <a:sym typeface="Proxima Nova"/>
+              </a:rPr>
+              <a:t>lettura file char by char</a:t>
+            </a:r>
+            <a:endParaRPr sz="1200">
+              <a:solidFill>
+                <a:schemeClr val="accent3"/>
+              </a:solidFill>
+              <a:latin typeface="Proxima Nova"/>
+              <a:ea typeface="Proxima Nova"/>
+              <a:cs typeface="Proxima Nova"/>
+              <a:sym typeface="Proxima Nova"/>
+            </a:endParaRPr>
+          </a:p>
+          <a:p>
+            <a:pPr indent="0" lvl="0" marL="0" rtl="0" algn="l">
+              <a:lnSpc>
+                <a:spcPct val="95000"/>
+              </a:lnSpc>
+              <a:spcBef>
+                <a:spcPts val="1200"/>
+              </a:spcBef>
+              <a:spcAft>
+                <a:spcPts val="0"/>
+              </a:spcAft>
+              <a:buNone/>
+            </a:pPr>
+            <a:r>
+              <a:t/>
+            </a:r>
+            <a:endParaRPr sz="1200">
+              <a:solidFill>
+                <a:schemeClr val="accent3"/>
+              </a:solidFill>
+              <a:latin typeface="Proxima Nova"/>
+              <a:ea typeface="Proxima Nova"/>
+              <a:cs typeface="Proxima Nova"/>
+              <a:sym typeface="Proxima Nova"/>
+            </a:endParaRPr>
+          </a:p>
+          <a:p>
+            <a:pPr indent="0" lvl="0" marL="0" rtl="0" algn="l">
+              <a:lnSpc>
+                <a:spcPct val="95000"/>
+              </a:lnSpc>
+              <a:spcBef>
+                <a:spcPts val="1200"/>
+              </a:spcBef>
+              <a:spcAft>
+                <a:spcPts val="0"/>
+              </a:spcAft>
+              <a:buNone/>
+            </a:pPr>
+            <a:r>
+              <a:t/>
+            </a:r>
+            <a:endParaRPr sz="1200">
+              <a:solidFill>
+                <a:schemeClr val="accent3"/>
+              </a:solidFill>
+              <a:latin typeface="Proxima Nova"/>
+              <a:ea typeface="Proxima Nova"/>
+              <a:cs typeface="Proxima Nova"/>
+              <a:sym typeface="Proxima Nova"/>
+            </a:endParaRPr>
+          </a:p>
+          <a:p>
+            <a:pPr indent="0" lvl="0" marL="0" rtl="0" algn="l">
+              <a:spcBef>
+                <a:spcPts val="1200"/>
+              </a:spcBef>
+              <a:spcAft>
+                <a:spcPts val="0"/>
+              </a:spcAft>
+              <a:buNone/>
+            </a:pPr>
+            <a:r>
+              <a:t/>
+            </a:r>
+            <a:endParaRPr>
+              <a:latin typeface="Proxima Nova"/>
+              <a:ea typeface="Proxima Nova"/>
+              <a:cs typeface="Proxima Nova"/>
+              <a:sym typeface="Proxima Nova"/>
+            </a:endParaRPr>
+          </a:p>
+        </p:txBody>
+      </p:sp>
+    </p:spTree>
+  </p:cSld>
+  <p:clrMapOvr>
+    <a:masterClrMapping/>
+  </p:clrMapOvr>
+</p:sld>
+</file>
+
+<file path=ppt/slides/slide6.xml><?xml version="1.0" encoding="utf-8"?>
+<p:sld xmlns:a="http://schemas.openxmlformats.org/drawingml/2006/main" xmlns:r="http://schemas.openxmlformats.org/officeDocument/2006/relationships" xmlns:mc="http://schemas.openxmlformats.org/markup-compatibility/2006" xmlns:mv="urn:schemas-microsoft-com:mac:vml" xmlns:p="http://schemas.openxmlformats.org/presentationml/2006/main" xmlns:c="http://schemas.openxmlformats.org/drawingml/2006/chart" xmlns:dgm="http://schemas.openxmlformats.org/drawingml/2006/diagram" xmlns:o="urn:schemas-microsoft-com:office:office" xmlns:v="urn:schemas-microsoft-com:vml" xmlns:pvml="urn:schemas-microsoft-com:office:powerpoint" xmlns:com="http://schemas.openxmlformats.org/drawingml/2006/compatibility" xmlns:p14="http://schemas.microsoft.com/office/powerpoint/2010/main" xmlns:p15="http://schemas.microsoft.com/office/powerpoint/2012/main" xmlns:ahyp="http://schemas.microsoft.com/office/drawing/2018/hyperlinkcolor">
+  <p:cSld>
+    <p:spTree>
+      <p:nvGrpSpPr>
+        <p:cNvPr id="98" name="Shape 98"/>
+        <p:cNvGrpSpPr/>
+        <p:nvPr/>
+      </p:nvGrpSpPr>
+      <p:grpSpPr>
+        <a:xfrm>
+          <a:off x="0" y="0"/>
+          <a:ext cx="0" cy="0"/>
+          <a:chOff x="0" y="0"/>
+          <a:chExt cx="0" cy="0"/>
+        </a:xfrm>
+      </p:grpSpPr>
+      <p:sp>
+        <p:nvSpPr>
+          <p:cNvPr id="99" name="Google Shape;99;p18"/>
+          <p:cNvSpPr txBox="1"/>
+          <p:nvPr>
+            <p:ph type="title"/>
+          </p:nvPr>
+        </p:nvSpPr>
+        <p:spPr>
+          <a:xfrm>
+            <a:off x="115700" y="52300"/>
+            <a:ext cx="3220800" cy="572700"/>
+          </a:xfrm>
+          <a:prstGeom prst="rect">
+            <a:avLst/>
+          </a:prstGeom>
+        </p:spPr>
+        <p:txBody>
+          <a:bodyPr anchorCtr="0" anchor="t" bIns="91425" lIns="91425" spcFirstLastPara="1" rIns="91425" wrap="square" tIns="91425">
+            <a:noAutofit/>
+          </a:bodyPr>
+          <a:lstStyle/>
+          <a:p>
+            <a:pPr indent="0" lvl="0" marL="0" rtl="0" algn="l">
+              <a:spcBef>
+                <a:spcPts val="0"/>
+              </a:spcBef>
+              <a:spcAft>
+                <a:spcPts val="0"/>
+              </a:spcAft>
+              <a:buSzPts val="990"/>
+              <a:buNone/>
+            </a:pPr>
+            <a:r>
+              <a:rPr lang="it" sz="2420"/>
+              <a:t>Implementazione (2)</a:t>
+            </a:r>
+            <a:endParaRPr sz="2420"/>
+          </a:p>
+        </p:txBody>
+      </p:sp>
+      <p:pic>
+        <p:nvPicPr>
+          <p:cNvPr id="100" name="Google Shape;100;p18"/>
+          <p:cNvPicPr preferRelativeResize="0"/>
+          <p:nvPr/>
+        </p:nvPicPr>
+        <p:blipFill>
+          <a:blip r:embed="rId3">
+            <a:alphaModFix/>
+          </a:blip>
+          <a:stretch>
+            <a:fillRect/>
+          </a:stretch>
+        </p:blipFill>
+        <p:spPr>
+          <a:xfrm>
+            <a:off x="199588" y="1742875"/>
+            <a:ext cx="7579576" cy="2910850"/>
+          </a:xfrm>
+          <a:prstGeom prst="rect">
+            <a:avLst/>
+          </a:prstGeom>
+          <a:noFill/>
+          <a:ln>
+            <a:noFill/>
+          </a:ln>
+        </p:spPr>
+      </p:pic>
+      <p:sp>
+        <p:nvSpPr>
+          <p:cNvPr id="101" name="Google Shape;101;p18"/>
+          <p:cNvSpPr txBox="1"/>
+          <p:nvPr/>
+        </p:nvSpPr>
+        <p:spPr>
+          <a:xfrm>
+            <a:off x="336488" y="725950"/>
+            <a:ext cx="3000000" cy="711000"/>
+          </a:xfrm>
+          <a:prstGeom prst="rect">
+            <a:avLst/>
+          </a:prstGeom>
+          <a:noFill/>
+          <a:ln>
+            <a:noFill/>
+          </a:ln>
+        </p:spPr>
+        <p:txBody>
+          <a:bodyPr anchorCtr="0" anchor="t" bIns="91425" lIns="91425" spcFirstLastPara="1" rIns="91425" wrap="square" tIns="91425">
+            <a:spAutoFit/>
+          </a:bodyPr>
+          <a:lstStyle/>
+          <a:p>
+            <a:pPr indent="0" lvl="0" marL="0" rtl="0" algn="l">
+              <a:lnSpc>
+                <a:spcPct val="95000"/>
+              </a:lnSpc>
+              <a:spcBef>
+                <a:spcPts val="0"/>
+              </a:spcBef>
+              <a:spcAft>
+                <a:spcPts val="1200"/>
+              </a:spcAft>
+              <a:buNone/>
+            </a:pPr>
+            <a:r>
               <a:rPr b="1" lang="it" sz="1200">
                 <a:solidFill>
                   <a:schemeClr val="accent3"/>
@@ -7472,78 +8469,8 @@
               </a:solidFill>
             </a:endParaRPr>
           </a:p>
-          <a:p>
-            <a:pPr indent="0" lvl="0" marL="0" rtl="0" algn="l">
-              <a:lnSpc>
-                <a:spcPct val="95000"/>
-              </a:lnSpc>
-              <a:spcBef>
-                <a:spcPts val="1200"/>
-              </a:spcBef>
-              <a:spcAft>
-                <a:spcPts val="0"/>
-              </a:spcAft>
-              <a:buNone/>
-            </a:pPr>
-            <a:r>
-              <a:t/>
-            </a:r>
-            <a:endParaRPr sz="1200">
-              <a:solidFill>
-                <a:schemeClr val="accent3"/>
-              </a:solidFill>
-            </a:endParaRPr>
-          </a:p>
-          <a:p>
-            <a:pPr indent="0" lvl="0" marL="0" rtl="0" algn="l">
-              <a:lnSpc>
-                <a:spcPct val="95000"/>
-              </a:lnSpc>
-              <a:spcBef>
-                <a:spcPts val="1200"/>
-              </a:spcBef>
-              <a:spcAft>
-                <a:spcPts val="1200"/>
-              </a:spcAft>
-              <a:buNone/>
-            </a:pPr>
-            <a:r>
-              <a:t/>
-            </a:r>
-            <a:endParaRPr sz="1200">
-              <a:solidFill>
-                <a:schemeClr val="accent3"/>
-              </a:solidFill>
-            </a:endParaRPr>
-          </a:p>
         </p:txBody>
       </p:sp>
-      <p:cxnSp>
-        <p:nvCxnSpPr>
-          <p:cNvPr id="83" name="Google Shape;83;p16"/>
-          <p:cNvCxnSpPr/>
-          <p:nvPr/>
-        </p:nvCxnSpPr>
-        <p:spPr>
-          <a:xfrm>
-            <a:off x="409050" y="1785850"/>
-            <a:ext cx="8325900" cy="0"/>
-          </a:xfrm>
-          <a:prstGeom prst="straightConnector1">
-            <a:avLst/>
-          </a:prstGeom>
-          <a:noFill/>
-          <a:ln cap="flat" cmpd="sng" w="9525">
-            <a:solidFill>
-              <a:schemeClr val="dk2"/>
-            </a:solidFill>
-            <a:prstDash val="solid"/>
-            <a:round/>
-            <a:headEnd len="med" w="med" type="none"/>
-            <a:tailEnd len="med" w="med" type="none"/>
-          </a:ln>
-        </p:spPr>
-      </p:cxnSp>
     </p:spTree>
   </p:cSld>
   <p:clrMapOvr>
@@ -7583,7 +8510,7 @@
                                           </p:stCondLst>
                                         </p:cTn>
                                         <p:tgtEl>
-                                          <p:spTgt spid="81"/>
+                                          <p:spTgt spid="100"/>
                                         </p:tgtEl>
                                         <p:attrNameLst>
                                           <p:attrName>style.visibility</p:attrName>
@@ -7597,7 +8524,7 @@
                                       <p:cBhvr>
                                         <p:cTn dur="1000"/>
                                         <p:tgtEl>
-                                          <p:spTgt spid="81"/>
+                                          <p:spTgt spid="100"/>
                                         </p:tgtEl>
                                       </p:cBhvr>
                                     </p:animEffect>
@@ -7635,648 +8562,286 @@
 </p:sld>
 </file>
 
-<file path=ppt/slides/slide5.xml><?xml version="1.0" encoding="utf-8"?>
-<p:sld xmlns:a="http://schemas.openxmlformats.org/drawingml/2006/main" xmlns:r="http://schemas.openxmlformats.org/officeDocument/2006/relationships" xmlns:mc="http://schemas.openxmlformats.org/markup-compatibility/2006" xmlns:mv="urn:schemas-microsoft-com:mac:vml" xmlns:p="http://schemas.openxmlformats.org/presentationml/2006/main" xmlns:c="http://schemas.openxmlformats.org/drawingml/2006/chart" xmlns:dgm="http://schemas.openxmlformats.org/drawingml/2006/diagram" xmlns:o="urn:schemas-microsoft-com:office:office" xmlns:v="urn:schemas-microsoft-com:vml" xmlns:pvml="urn:schemas-microsoft-com:office:powerpoint" xmlns:com="http://schemas.openxmlformats.org/drawingml/2006/compatibility" xmlns:p14="http://schemas.microsoft.com/office/powerpoint/2010/main" xmlns:p15="http://schemas.microsoft.com/office/powerpoint/2012/main" xmlns:ahyp="http://schemas.microsoft.com/office/drawing/2018/hyperlinkcolor">
-  <p:cSld>
-    <p:spTree>
-      <p:nvGrpSpPr>
-        <p:cNvPr id="87" name="Shape 87"/>
-        <p:cNvGrpSpPr/>
-        <p:nvPr/>
-      </p:nvGrpSpPr>
-      <p:grpSpPr>
-        <a:xfrm>
-          <a:off x="0" y="0"/>
-          <a:ext cx="0" cy="0"/>
-          <a:chOff x="0" y="0"/>
-          <a:chExt cx="0" cy="0"/>
-        </a:xfrm>
-      </p:grpSpPr>
-      <p:pic>
-        <p:nvPicPr>
-          <p:cNvPr id="88" name="Google Shape;88;p17"/>
-          <p:cNvPicPr preferRelativeResize="0"/>
-          <p:nvPr/>
-        </p:nvPicPr>
-        <p:blipFill>
-          <a:blip r:embed="rId3">
-            <a:alphaModFix/>
-          </a:blip>
-          <a:stretch>
-            <a:fillRect/>
-          </a:stretch>
-        </p:blipFill>
-        <p:spPr>
-          <a:xfrm>
-            <a:off x="4702100" y="872563"/>
-            <a:ext cx="4305300" cy="1676400"/>
-          </a:xfrm>
-          <a:prstGeom prst="rect">
-            <a:avLst/>
-          </a:prstGeom>
-          <a:noFill/>
-          <a:ln>
-            <a:noFill/>
-          </a:ln>
-        </p:spPr>
-      </p:pic>
-      <p:sp>
-        <p:nvSpPr>
-          <p:cNvPr id="89" name="Google Shape;89;p17"/>
-          <p:cNvSpPr txBox="1"/>
-          <p:nvPr>
-            <p:ph type="title"/>
-          </p:nvPr>
-        </p:nvSpPr>
-        <p:spPr>
-          <a:xfrm>
-            <a:off x="266700" y="82950"/>
-            <a:ext cx="8520600" cy="572700"/>
-          </a:xfrm>
-          <a:prstGeom prst="rect">
-            <a:avLst/>
-          </a:prstGeom>
-        </p:spPr>
-        <p:txBody>
-          <a:bodyPr anchorCtr="0" anchor="t" bIns="91425" lIns="91425" spcFirstLastPara="1" rIns="91425" wrap="square" tIns="91425">
-            <a:normAutofit fontScale="90000"/>
-          </a:bodyPr>
-          <a:lstStyle/>
-          <a:p>
-            <a:pPr indent="0" lvl="0" marL="0" rtl="0" algn="l">
-              <a:spcBef>
-                <a:spcPts val="0"/>
-              </a:spcBef>
-              <a:spcAft>
-                <a:spcPts val="0"/>
-              </a:spcAft>
-              <a:buNone/>
-            </a:pPr>
-            <a:r>
-              <a:rPr lang="it"/>
-              <a:t>XDR: Definizioni (procedure.x)</a:t>
-            </a:r>
-            <a:endParaRPr/>
-          </a:p>
-        </p:txBody>
-      </p:sp>
-      <p:sp>
-        <p:nvSpPr>
-          <p:cNvPr id="90" name="Google Shape;90;p17"/>
-          <p:cNvSpPr txBox="1"/>
-          <p:nvPr/>
-        </p:nvSpPr>
-        <p:spPr>
-          <a:xfrm>
-            <a:off x="266700" y="3588225"/>
-            <a:ext cx="4713600" cy="554100"/>
-          </a:xfrm>
-          <a:prstGeom prst="rect">
-            <a:avLst/>
-          </a:prstGeom>
-          <a:noFill/>
-          <a:ln>
-            <a:noFill/>
-          </a:ln>
-        </p:spPr>
-        <p:txBody>
-          <a:bodyPr anchorCtr="0" anchor="t" bIns="91425" lIns="91425" spcFirstLastPara="1" rIns="91425" wrap="square" tIns="91425">
-            <a:spAutoFit/>
-          </a:bodyPr>
-          <a:lstStyle/>
-          <a:p>
-            <a:pPr indent="0" lvl="0" marL="0" rtl="0" algn="l">
-              <a:spcBef>
-                <a:spcPts val="0"/>
-              </a:spcBef>
-              <a:spcAft>
-                <a:spcPts val="0"/>
-              </a:spcAft>
-              <a:buNone/>
-            </a:pPr>
-            <a:r>
-              <a:rPr lang="it" sz="1200">
-                <a:solidFill>
-                  <a:schemeClr val="accent2"/>
-                </a:solidFill>
-                <a:latin typeface="Proxima Nova"/>
-                <a:ea typeface="Proxima Nova"/>
-                <a:cs typeface="Proxima Nova"/>
-                <a:sym typeface="Proxima Nova"/>
-              </a:rPr>
-              <a:t>Per generare </a:t>
-            </a:r>
-            <a:r>
-              <a:rPr b="1" lang="it" sz="1200">
-                <a:solidFill>
-                  <a:schemeClr val="accent2"/>
-                </a:solidFill>
-                <a:latin typeface="Proxima Nova"/>
-                <a:ea typeface="Proxima Nova"/>
-                <a:cs typeface="Proxima Nova"/>
-                <a:sym typeface="Proxima Nova"/>
-              </a:rPr>
-              <a:t>header stub e file conversioni</a:t>
-            </a:r>
-            <a:r>
-              <a:rPr lang="it" sz="1200">
-                <a:solidFill>
-                  <a:schemeClr val="accent2"/>
-                </a:solidFill>
-                <a:latin typeface="Proxima Nova"/>
-                <a:ea typeface="Proxima Nova"/>
-                <a:cs typeface="Proxima Nova"/>
-                <a:sym typeface="Proxima Nova"/>
-              </a:rPr>
-              <a:t>:</a:t>
-            </a:r>
-            <a:endParaRPr sz="1200">
-              <a:solidFill>
-                <a:schemeClr val="accent2"/>
-              </a:solidFill>
-              <a:latin typeface="Proxima Nova"/>
-              <a:ea typeface="Proxima Nova"/>
-              <a:cs typeface="Proxima Nova"/>
-              <a:sym typeface="Proxima Nova"/>
-            </a:endParaRPr>
-          </a:p>
-          <a:p>
-            <a:pPr indent="0" lvl="0" marL="0" rtl="0" algn="l">
-              <a:spcBef>
-                <a:spcPts val="0"/>
-              </a:spcBef>
-              <a:spcAft>
-                <a:spcPts val="0"/>
-              </a:spcAft>
-              <a:buNone/>
-            </a:pPr>
-            <a:r>
-              <a:rPr lang="it" sz="1200">
-                <a:solidFill>
-                  <a:schemeClr val="accent2"/>
-                </a:solidFill>
-                <a:latin typeface="Proxima Nova"/>
-                <a:ea typeface="Proxima Nova"/>
-                <a:cs typeface="Proxima Nova"/>
-                <a:sym typeface="Proxima Nova"/>
-              </a:rPr>
-              <a:t>rpcgen procedure.x</a:t>
-            </a:r>
-            <a:endParaRPr sz="1200">
-              <a:solidFill>
-                <a:schemeClr val="accent2"/>
-              </a:solidFill>
-              <a:latin typeface="Proxima Nova"/>
-              <a:ea typeface="Proxima Nova"/>
-              <a:cs typeface="Proxima Nova"/>
-              <a:sym typeface="Proxima Nova"/>
-            </a:endParaRPr>
-          </a:p>
-        </p:txBody>
-      </p:sp>
-      <p:sp>
-        <p:nvSpPr>
-          <p:cNvPr id="91" name="Google Shape;91;p17"/>
-          <p:cNvSpPr txBox="1"/>
-          <p:nvPr/>
-        </p:nvSpPr>
-        <p:spPr>
-          <a:xfrm>
-            <a:off x="266700" y="980513"/>
-            <a:ext cx="4713600" cy="738900"/>
-          </a:xfrm>
-          <a:prstGeom prst="rect">
-            <a:avLst/>
-          </a:prstGeom>
-          <a:noFill/>
-          <a:ln>
-            <a:noFill/>
-          </a:ln>
-        </p:spPr>
-        <p:txBody>
-          <a:bodyPr anchorCtr="0" anchor="t" bIns="91425" lIns="91425" spcFirstLastPara="1" rIns="91425" wrap="square" tIns="91425">
-            <a:spAutoFit/>
-          </a:bodyPr>
-          <a:lstStyle/>
-          <a:p>
-            <a:pPr indent="0" lvl="0" marL="0" rtl="0" algn="l">
-              <a:spcBef>
-                <a:spcPts val="0"/>
-              </a:spcBef>
-              <a:spcAft>
-                <a:spcPts val="0"/>
-              </a:spcAft>
-              <a:buNone/>
-            </a:pPr>
-            <a:r>
-              <a:rPr lang="it" sz="1200">
-                <a:solidFill>
-                  <a:schemeClr val="accent2"/>
-                </a:solidFill>
-                <a:latin typeface="Proxima Nova"/>
-                <a:ea typeface="Proxima Nova"/>
-                <a:cs typeface="Proxima Nova"/>
-                <a:sym typeface="Proxima Nova"/>
-              </a:rPr>
-              <a:t>Per generare il </a:t>
-            </a:r>
-            <a:r>
-              <a:rPr b="1" lang="it" sz="1200">
-                <a:solidFill>
-                  <a:schemeClr val="accent2"/>
-                </a:solidFill>
-                <a:latin typeface="Proxima Nova"/>
-                <a:ea typeface="Proxima Nova"/>
-                <a:cs typeface="Proxima Nova"/>
-                <a:sym typeface="Proxima Nova"/>
-              </a:rPr>
-              <a:t>Client</a:t>
-            </a:r>
-            <a:r>
-              <a:rPr lang="it" sz="1200">
-                <a:solidFill>
-                  <a:schemeClr val="accent2"/>
-                </a:solidFill>
-                <a:latin typeface="Proxima Nova"/>
-                <a:ea typeface="Proxima Nova"/>
-                <a:cs typeface="Proxima Nova"/>
-                <a:sym typeface="Proxima Nova"/>
-              </a:rPr>
-              <a:t>:</a:t>
-            </a:r>
-            <a:endParaRPr sz="1200">
-              <a:solidFill>
-                <a:schemeClr val="accent2"/>
-              </a:solidFill>
-              <a:latin typeface="Proxima Nova"/>
-              <a:ea typeface="Proxima Nova"/>
-              <a:cs typeface="Proxima Nova"/>
-              <a:sym typeface="Proxima Nova"/>
-            </a:endParaRPr>
-          </a:p>
-          <a:p>
-            <a:pPr indent="0" lvl="0" marL="0" rtl="0" algn="l">
-              <a:spcBef>
-                <a:spcPts val="0"/>
-              </a:spcBef>
-              <a:spcAft>
-                <a:spcPts val="0"/>
-              </a:spcAft>
-              <a:buNone/>
-            </a:pPr>
-            <a:r>
-              <a:rPr lang="it" sz="1200">
-                <a:solidFill>
-                  <a:schemeClr val="accent2"/>
-                </a:solidFill>
-                <a:latin typeface="Proxima Nova"/>
-                <a:ea typeface="Proxima Nova"/>
-                <a:cs typeface="Proxima Nova"/>
-                <a:sym typeface="Proxima Nova"/>
-              </a:rPr>
-              <a:t>gcc -o procedure procedure_client.c procedure_clnt.c procedure_xdr.c</a:t>
-            </a:r>
-            <a:endParaRPr sz="1200">
-              <a:solidFill>
-                <a:schemeClr val="accent2"/>
-              </a:solidFill>
-              <a:latin typeface="Proxima Nova"/>
-              <a:ea typeface="Proxima Nova"/>
-              <a:cs typeface="Proxima Nova"/>
-              <a:sym typeface="Proxima Nova"/>
-            </a:endParaRPr>
-          </a:p>
-        </p:txBody>
-      </p:sp>
-      <p:sp>
-        <p:nvSpPr>
-          <p:cNvPr id="92" name="Google Shape;92;p17"/>
-          <p:cNvSpPr txBox="1"/>
-          <p:nvPr/>
-        </p:nvSpPr>
-        <p:spPr>
-          <a:xfrm>
-            <a:off x="266700" y="2300763"/>
-            <a:ext cx="4713600" cy="738900"/>
-          </a:xfrm>
-          <a:prstGeom prst="rect">
-            <a:avLst/>
-          </a:prstGeom>
-          <a:noFill/>
-          <a:ln>
-            <a:noFill/>
-          </a:ln>
-        </p:spPr>
-        <p:txBody>
-          <a:bodyPr anchorCtr="0" anchor="t" bIns="91425" lIns="91425" spcFirstLastPara="1" rIns="91425" wrap="square" tIns="91425">
-            <a:spAutoFit/>
-          </a:bodyPr>
-          <a:lstStyle/>
-          <a:p>
-            <a:pPr indent="0" lvl="0" marL="0" rtl="0" algn="l">
-              <a:spcBef>
-                <a:spcPts val="0"/>
-              </a:spcBef>
-              <a:spcAft>
-                <a:spcPts val="0"/>
-              </a:spcAft>
-              <a:buNone/>
-            </a:pPr>
-            <a:r>
-              <a:rPr lang="it" sz="1200">
-                <a:solidFill>
-                  <a:schemeClr val="accent2"/>
-                </a:solidFill>
-                <a:latin typeface="Proxima Nova"/>
-                <a:ea typeface="Proxima Nova"/>
-                <a:cs typeface="Proxima Nova"/>
-                <a:sym typeface="Proxima Nova"/>
-              </a:rPr>
-              <a:t>Per generare il </a:t>
-            </a:r>
-            <a:r>
-              <a:rPr b="1" lang="it" sz="1200">
-                <a:solidFill>
-                  <a:schemeClr val="accent2"/>
-                </a:solidFill>
-                <a:latin typeface="Proxima Nova"/>
-                <a:ea typeface="Proxima Nova"/>
-                <a:cs typeface="Proxima Nova"/>
-                <a:sym typeface="Proxima Nova"/>
-              </a:rPr>
-              <a:t>Server</a:t>
-            </a:r>
-            <a:r>
-              <a:rPr lang="it" sz="1200">
-                <a:solidFill>
-                  <a:schemeClr val="accent2"/>
-                </a:solidFill>
-                <a:latin typeface="Proxima Nova"/>
-                <a:ea typeface="Proxima Nova"/>
-                <a:cs typeface="Proxima Nova"/>
-                <a:sym typeface="Proxima Nova"/>
-              </a:rPr>
-              <a:t>:</a:t>
-            </a:r>
-            <a:endParaRPr sz="1200">
-              <a:solidFill>
-                <a:schemeClr val="accent2"/>
-              </a:solidFill>
-              <a:latin typeface="Proxima Nova"/>
-              <a:ea typeface="Proxima Nova"/>
-              <a:cs typeface="Proxima Nova"/>
-              <a:sym typeface="Proxima Nova"/>
-            </a:endParaRPr>
-          </a:p>
-          <a:p>
-            <a:pPr indent="0" lvl="0" marL="0" rtl="0" algn="l">
-              <a:spcBef>
-                <a:spcPts val="0"/>
-              </a:spcBef>
-              <a:spcAft>
-                <a:spcPts val="0"/>
-              </a:spcAft>
-              <a:buNone/>
-            </a:pPr>
-            <a:r>
-              <a:rPr lang="it" sz="1200">
-                <a:solidFill>
-                  <a:schemeClr val="accent2"/>
-                </a:solidFill>
-                <a:latin typeface="Proxima Nova"/>
-                <a:ea typeface="Proxima Nova"/>
-                <a:cs typeface="Proxima Nova"/>
-                <a:sym typeface="Proxima Nova"/>
-              </a:rPr>
-              <a:t>gcc -o procedure_server procedure_proc.c procedure_svc.c procedure_xdr.c </a:t>
-            </a:r>
-            <a:endParaRPr sz="1200">
-              <a:solidFill>
-                <a:schemeClr val="accent2"/>
-              </a:solidFill>
-              <a:latin typeface="Proxima Nova"/>
-              <a:ea typeface="Proxima Nova"/>
-              <a:cs typeface="Proxima Nova"/>
-              <a:sym typeface="Proxima Nova"/>
-            </a:endParaRPr>
-          </a:p>
-        </p:txBody>
-      </p:sp>
-      <p:sp>
-        <p:nvSpPr>
-          <p:cNvPr id="93" name="Google Shape;93;p17"/>
-          <p:cNvSpPr/>
-          <p:nvPr/>
-        </p:nvSpPr>
-        <p:spPr>
-          <a:xfrm rot="10800000">
-            <a:off x="3756900" y="3212100"/>
-            <a:ext cx="4617000" cy="1371900"/>
-          </a:xfrm>
-          <a:prstGeom prst="rightArrowCallout">
-            <a:avLst>
-              <a:gd fmla="val 25000" name="adj1"/>
-              <a:gd fmla="val 25000" name="adj2"/>
-              <a:gd fmla="val 25000" name="adj3"/>
-              <a:gd fmla="val 74013" name="adj4"/>
-            </a:avLst>
-          </a:prstGeom>
-          <a:noFill/>
-          <a:ln cap="flat" cmpd="sng" w="19050">
-            <a:solidFill>
-              <a:schemeClr val="dk2"/>
-            </a:solidFill>
-            <a:prstDash val="solid"/>
-            <a:round/>
-            <a:headEnd len="sm" w="sm" type="none"/>
-            <a:tailEnd len="sm" w="sm" type="none"/>
-          </a:ln>
-        </p:spPr>
-        <p:txBody>
-          <a:bodyPr anchorCtr="0" anchor="ctr" bIns="91425" lIns="91425" spcFirstLastPara="1" rIns="91425" wrap="square" tIns="91425">
-            <a:noAutofit/>
-          </a:bodyPr>
-          <a:lstStyle/>
-          <a:p>
-            <a:pPr indent="0" lvl="0" marL="0" rtl="0" algn="l">
-              <a:spcBef>
-                <a:spcPts val="0"/>
-              </a:spcBef>
-              <a:spcAft>
-                <a:spcPts val="0"/>
-              </a:spcAft>
-              <a:buNone/>
-            </a:pPr>
-            <a:r>
-              <a:t/>
-            </a:r>
-            <a:endParaRPr/>
-          </a:p>
-        </p:txBody>
-      </p:sp>
-      <p:sp>
-        <p:nvSpPr>
-          <p:cNvPr id="94" name="Google Shape;94;p17"/>
-          <p:cNvSpPr txBox="1"/>
-          <p:nvPr/>
-        </p:nvSpPr>
-        <p:spPr>
-          <a:xfrm>
-            <a:off x="5163100" y="3282300"/>
-            <a:ext cx="2911500" cy="1231500"/>
-          </a:xfrm>
-          <a:prstGeom prst="rect">
-            <a:avLst/>
-          </a:prstGeom>
-          <a:noFill/>
-          <a:ln>
-            <a:noFill/>
-          </a:ln>
-        </p:spPr>
-        <p:txBody>
-          <a:bodyPr anchorCtr="0" anchor="t" bIns="91425" lIns="91425" spcFirstLastPara="1" rIns="91425" wrap="square" tIns="91425">
-            <a:spAutoFit/>
-          </a:bodyPr>
-          <a:lstStyle/>
-          <a:p>
-            <a:pPr indent="0" lvl="0" marL="0" rtl="0" algn="ctr">
-              <a:spcBef>
-                <a:spcPts val="0"/>
-              </a:spcBef>
-              <a:spcAft>
-                <a:spcPts val="0"/>
-              </a:spcAft>
-              <a:buNone/>
-            </a:pPr>
-            <a:r>
-              <a:rPr lang="it" sz="1700">
-                <a:solidFill>
-                  <a:schemeClr val="accent2"/>
-                </a:solidFill>
-                <a:latin typeface="Proxima Nova"/>
-                <a:ea typeface="Proxima Nova"/>
-                <a:cs typeface="Proxima Nova"/>
-                <a:sym typeface="Proxima Nova"/>
-              </a:rPr>
-              <a:t>procedure.h</a:t>
-            </a:r>
-            <a:endParaRPr sz="1700">
-              <a:solidFill>
-                <a:schemeClr val="accent2"/>
-              </a:solidFill>
-              <a:latin typeface="Proxima Nova"/>
-              <a:ea typeface="Proxima Nova"/>
-              <a:cs typeface="Proxima Nova"/>
-              <a:sym typeface="Proxima Nova"/>
-            </a:endParaRPr>
-          </a:p>
-          <a:p>
-            <a:pPr indent="0" lvl="0" marL="0" rtl="0" algn="ctr">
-              <a:spcBef>
-                <a:spcPts val="0"/>
-              </a:spcBef>
-              <a:spcAft>
-                <a:spcPts val="0"/>
-              </a:spcAft>
-              <a:buNone/>
-            </a:pPr>
-            <a:r>
-              <a:rPr lang="it" sz="1700">
-                <a:solidFill>
-                  <a:schemeClr val="accent2"/>
-                </a:solidFill>
-                <a:latin typeface="Proxima Nova"/>
-                <a:ea typeface="Proxima Nova"/>
-                <a:cs typeface="Proxima Nova"/>
-                <a:sym typeface="Proxima Nova"/>
-              </a:rPr>
-              <a:t>procedure_xdr.c</a:t>
-            </a:r>
-            <a:endParaRPr sz="1700">
-              <a:solidFill>
-                <a:schemeClr val="accent2"/>
-              </a:solidFill>
-              <a:latin typeface="Proxima Nova"/>
-              <a:ea typeface="Proxima Nova"/>
-              <a:cs typeface="Proxima Nova"/>
-              <a:sym typeface="Proxima Nova"/>
-            </a:endParaRPr>
-          </a:p>
-          <a:p>
-            <a:pPr indent="0" lvl="0" marL="0" rtl="0" algn="ctr">
-              <a:spcBef>
-                <a:spcPts val="0"/>
-              </a:spcBef>
-              <a:spcAft>
-                <a:spcPts val="0"/>
-              </a:spcAft>
-              <a:buNone/>
-            </a:pPr>
-            <a:r>
-              <a:rPr lang="it" sz="1700">
-                <a:solidFill>
-                  <a:srgbClr val="CC0000"/>
-                </a:solidFill>
-                <a:latin typeface="Proxima Nova"/>
-                <a:ea typeface="Proxima Nova"/>
-                <a:cs typeface="Proxima Nova"/>
-                <a:sym typeface="Proxima Nova"/>
-              </a:rPr>
-              <a:t>procedure_clnt.c</a:t>
-            </a:r>
-            <a:endParaRPr sz="1700">
-              <a:solidFill>
-                <a:srgbClr val="CC0000"/>
-              </a:solidFill>
-              <a:latin typeface="Proxima Nova"/>
-              <a:ea typeface="Proxima Nova"/>
-              <a:cs typeface="Proxima Nova"/>
-              <a:sym typeface="Proxima Nova"/>
-            </a:endParaRPr>
-          </a:p>
-          <a:p>
-            <a:pPr indent="0" lvl="0" marL="0" rtl="0" algn="ctr">
-              <a:spcBef>
-                <a:spcPts val="0"/>
-              </a:spcBef>
-              <a:spcAft>
-                <a:spcPts val="0"/>
-              </a:spcAft>
-              <a:buNone/>
-            </a:pPr>
-            <a:r>
-              <a:rPr lang="it" sz="1700">
-                <a:solidFill>
-                  <a:srgbClr val="CC0000"/>
-                </a:solidFill>
-                <a:latin typeface="Proxima Nova"/>
-                <a:ea typeface="Proxima Nova"/>
-                <a:cs typeface="Proxima Nova"/>
-                <a:sym typeface="Proxima Nova"/>
-              </a:rPr>
-              <a:t>procedure_svc.c</a:t>
-            </a:r>
-            <a:endParaRPr sz="1700">
-              <a:solidFill>
-                <a:srgbClr val="CC0000"/>
-              </a:solidFill>
-              <a:latin typeface="Proxima Nova"/>
-              <a:ea typeface="Proxima Nova"/>
-              <a:cs typeface="Proxima Nova"/>
-              <a:sym typeface="Proxima Nova"/>
-            </a:endParaRPr>
-          </a:p>
-        </p:txBody>
-      </p:sp>
-    </p:spTree>
-  </p:cSld>
-  <p:clrMapOvr>
-    <a:masterClrMapping/>
-  </p:clrMapOvr>
-</p:sld>
+<file path=ppt/theme/theme1.xml><?xml version="1.0" encoding="utf-8"?>
+<a:theme xmlns:a="http://schemas.openxmlformats.org/drawingml/2006/main" xmlns:r="http://schemas.openxmlformats.org/officeDocument/2006/relationships" name="Spearmint">
+  <a:themeElements>
+    <a:clrScheme name="Spearmint">
+      <a:dk1>
+        <a:srgbClr val="202729"/>
+      </a:dk1>
+      <a:lt1>
+        <a:srgbClr val="FFFFFF"/>
+      </a:lt1>
+      <a:dk2>
+        <a:srgbClr val="4BA173"/>
+      </a:dk2>
+      <a:lt2>
+        <a:srgbClr val="63D297"/>
+      </a:lt2>
+      <a:accent1>
+        <a:srgbClr val="353744"/>
+      </a:accent1>
+      <a:accent2>
+        <a:srgbClr val="424242"/>
+      </a:accent2>
+      <a:accent3>
+        <a:srgbClr val="616161"/>
+      </a:accent3>
+      <a:accent4>
+        <a:srgbClr val="999999"/>
+      </a:accent4>
+      <a:accent5>
+        <a:srgbClr val="FF5252"/>
+      </a:accent5>
+      <a:accent6>
+        <a:srgbClr val="FFF176"/>
+      </a:accent6>
+      <a:hlink>
+        <a:srgbClr val="FF5252"/>
+      </a:hlink>
+      <a:folHlink>
+        <a:srgbClr val="FF5252"/>
+      </a:folHlink>
+    </a:clrScheme>
+    <a:fontScheme name="Office">
+      <a:majorFont>
+        <a:latin typeface="Arial"/>
+        <a:ea typeface=""/>
+        <a:cs typeface=""/>
+        <a:font script="Jpan" typeface="ＭＳ Ｐゴシック"/>
+        <a:font script="Hang" typeface="맑은 고딕"/>
+        <a:font script="Hans" typeface="宋体"/>
+        <a:font script="Hant" typeface="新細明體"/>
+        <a:font script="Arab" typeface="Times New Roman"/>
+        <a:font script="Hebr" typeface="Times New Roman"/>
+        <a:font script="Thai" typeface="Angsana New"/>
+        <a:font script="Ethi" typeface="Nyala"/>
+        <a:font script="Beng" typeface="Vrinda"/>
+        <a:font script="Gujr" typeface="Shruti"/>
+        <a:font script="Khmr" typeface="MoolBoran"/>
+        <a:font script="Knda" typeface="Tunga"/>
+        <a:font script="Guru" typeface="Raavi"/>
+        <a:font script="Cans" typeface="Euphemia"/>
+        <a:font script="Cher" typeface="Plantagenet Cherokee"/>
+        <a:font script="Yiii" typeface="Microsoft Yi Baiti"/>
+        <a:font script="Tibt" typeface="Microsoft Himalaya"/>
+        <a:font script="Thaa" typeface="MV Boli"/>
+        <a:font script="Deva" typeface="Mangal"/>
+        <a:font script="Telu" typeface="Gautami"/>
+        <a:font script="Taml" typeface="Latha"/>
+        <a:font script="Syrc" typeface="Estrangelo Edessa"/>
+        <a:font script="Orya" typeface="Kalinga"/>
+        <a:font script="Mlym" typeface="Kartika"/>
+        <a:font script="Laoo" typeface="DokChampa"/>
+        <a:font script="Sinh" typeface="Iskoola Pota"/>
+        <a:font script="Mong" typeface="Mongolian Baiti"/>
+        <a:font script="Viet" typeface="Times New Roman"/>
+        <a:font script="Uigh" typeface="Microsoft Uighur"/>
+        <a:font script="Geor" typeface="Sylfaen"/>
+      </a:majorFont>
+      <a:minorFont>
+        <a:latin typeface="Arial"/>
+        <a:ea typeface=""/>
+        <a:cs typeface=""/>
+        <a:font script="Jpan" typeface="ＭＳ Ｐゴシック"/>
+        <a:font script="Hang" typeface="맑은 고딕"/>
+        <a:font script="Hans" typeface="宋体"/>
+        <a:font script="Hant" typeface="新細明體"/>
+        <a:font script="Arab" typeface="Arial"/>
+        <a:font script="Hebr" typeface="Arial"/>
+        <a:font script="Thai" typeface="Cordia New"/>
+        <a:font script="Ethi" typeface="Nyala"/>
+        <a:font script="Beng" typeface="Vrinda"/>
+        <a:font script="Gujr" typeface="Shruti"/>
+        <a:font script="Khmr" typeface="DaunPenh"/>
+        <a:font script="Knda" typeface="Tunga"/>
+        <a:font script="Guru" typeface="Raavi"/>
+        <a:font script="Cans" typeface="Euphemia"/>
+        <a:font script="Cher" typeface="Plantagenet Cherokee"/>
+        <a:font script="Yiii" typeface="Microsoft Yi Baiti"/>
+        <a:font script="Tibt" typeface="Microsoft Himalaya"/>
+        <a:font script="Thaa" typeface="MV Boli"/>
+        <a:font script="Deva" typeface="Mangal"/>
+        <a:font script="Telu" typeface="Gautami"/>
+        <a:font script="Taml" typeface="Latha"/>
+        <a:font script="Syrc" typeface="Estrangelo Edessa"/>
+        <a:font script="Orya" typeface="Kalinga"/>
+        <a:font script="Mlym" typeface="Kartika"/>
+        <a:font script="Laoo" typeface="DokChampa"/>
+        <a:font script="Sinh" typeface="Iskoola Pota"/>
+        <a:font script="Mong" typeface="Mongolian Baiti"/>
+        <a:font script="Viet" typeface="Arial"/>
+        <a:font script="Uigh" typeface="Microsoft Uighur"/>
+        <a:font script="Geor" typeface="Sylfaen"/>
+      </a:minorFont>
+    </a:fontScheme>
+    <a:fmtScheme name="Office">
+      <a:fillStyleLst>
+        <a:solidFill>
+          <a:schemeClr val="phClr"/>
+        </a:solidFill>
+        <a:gradFill rotWithShape="1">
+          <a:gsLst>
+            <a:gs pos="0">
+              <a:schemeClr val="phClr">
+                <a:tint val="50000"/>
+                <a:satMod val="300000"/>
+              </a:schemeClr>
+            </a:gs>
+            <a:gs pos="35000">
+              <a:schemeClr val="phClr">
+                <a:tint val="37000"/>
+                <a:satMod val="300000"/>
+              </a:schemeClr>
+            </a:gs>
+            <a:gs pos="100000">
+              <a:schemeClr val="phClr">
+                <a:tint val="15000"/>
+                <a:satMod val="350000"/>
+              </a:schemeClr>
+            </a:gs>
+          </a:gsLst>
+          <a:lin ang="16200000" scaled="1"/>
+        </a:gradFill>
+        <a:gradFill rotWithShape="1">
+          <a:gsLst>
+            <a:gs pos="0">
+              <a:schemeClr val="phClr">
+                <a:tint val="100000"/>
+                <a:shade val="100000"/>
+                <a:satMod val="130000"/>
+              </a:schemeClr>
+            </a:gs>
+            <a:gs pos="100000">
+              <a:schemeClr val="phClr">
+                <a:tint val="50000"/>
+                <a:shade val="100000"/>
+                <a:satMod val="350000"/>
+              </a:schemeClr>
+            </a:gs>
+          </a:gsLst>
+          <a:lin ang="16200000" scaled="0"/>
+        </a:gradFill>
+      </a:fillStyleLst>
+      <a:lnStyleLst>
+        <a:ln w="9525" cap="flat" cmpd="sng" algn="ctr">
+          <a:solidFill>
+            <a:schemeClr val="phClr">
+              <a:shade val="95000"/>
+              <a:satMod val="105000"/>
+            </a:schemeClr>
+          </a:solidFill>
+          <a:prstDash val="solid"/>
+        </a:ln>
+        <a:ln w="25400" cap="flat" cmpd="sng" algn="ctr">
+          <a:solidFill>
+            <a:schemeClr val="phClr"/>
+          </a:solidFill>
+          <a:prstDash val="solid"/>
+        </a:ln>
+        <a:ln w="38100" cap="flat" cmpd="sng" algn="ctr">
+          <a:solidFill>
+            <a:schemeClr val="phClr"/>
+          </a:solidFill>
+          <a:prstDash val="solid"/>
+        </a:ln>
+      </a:lnStyleLst>
+      <a:effectStyleLst>
+        <a:effectStyle>
+          <a:effectLst>
+            <a:outerShdw blurRad="40000" dist="20000" dir="5400000" rotWithShape="0">
+              <a:srgbClr val="000000">
+                <a:alpha val="38000"/>
+              </a:srgbClr>
+            </a:outerShdw>
+          </a:effectLst>
+        </a:effectStyle>
+        <a:effectStyle>
+          <a:effectLst>
+            <a:outerShdw blurRad="40000" dist="23000" dir="5400000" rotWithShape="0">
+              <a:srgbClr val="000000">
+                <a:alpha val="35000"/>
+              </a:srgbClr>
+            </a:outerShdw>
+          </a:effectLst>
+        </a:effectStyle>
+        <a:effectStyle>
+          <a:effectLst>
+            <a:outerShdw blurRad="40000" dist="23000" dir="5400000" rotWithShape="0">
+              <a:srgbClr val="000000">
+                <a:alpha val="35000"/>
+              </a:srgbClr>
+            </a:outerShdw>
+          </a:effectLst>
+          <a:scene3d>
+            <a:camera prst="orthographicFront">
+              <a:rot lat="0" lon="0" rev="0"/>
+            </a:camera>
+            <a:lightRig rig="threePt" dir="t">
+              <a:rot lat="0" lon="0" rev="1200000"/>
+            </a:lightRig>
+          </a:scene3d>
+          <a:sp3d>
+            <a:bevelT w="63500" h="25400"/>
+          </a:sp3d>
+        </a:effectStyle>
+      </a:effectStyleLst>
+      <a:bgFillStyleLst>
+        <a:solidFill>
+          <a:schemeClr val="phClr"/>
+        </a:solidFill>
+        <a:gradFill rotWithShape="1">
+          <a:gsLst>
+            <a:gs pos="0">
+              <a:schemeClr val="phClr">
+                <a:tint val="40000"/>
+                <a:satMod val="350000"/>
+              </a:schemeClr>
+            </a:gs>
+            <a:gs pos="40000">
+              <a:schemeClr val="phClr">
+                <a:tint val="45000"/>
+                <a:shade val="99000"/>
+                <a:satMod val="350000"/>
+              </a:schemeClr>
+            </a:gs>
+            <a:gs pos="100000">
+              <a:schemeClr val="phClr">
+                <a:shade val="20000"/>
+                <a:satMod val="255000"/>
+              </a:schemeClr>
+            </a:gs>
+          </a:gsLst>
+          <a:path path="circle">
+            <a:fillToRect l="50000" t="-80000" r="50000" b="180000"/>
+          </a:path>
+        </a:gradFill>
+        <a:gradFill rotWithShape="1">
+          <a:gsLst>
+            <a:gs pos="0">
+              <a:schemeClr val="phClr">
+                <a:tint val="80000"/>
+                <a:satMod val="300000"/>
+              </a:schemeClr>
+            </a:gs>
+            <a:gs pos="100000">
+              <a:schemeClr val="phClr">
+                <a:shade val="30000"/>
+                <a:satMod val="200000"/>
+              </a:schemeClr>
+            </a:gs>
+          </a:gsLst>
+          <a:path path="circle">
+            <a:fillToRect l="50000" t="50000" r="50000" b="50000"/>
+          </a:path>
+        </a:gradFill>
+      </a:bgFillStyleLst>
+    </a:fmtScheme>
+  </a:themeElements>
+</a:theme>
 </file>
 
-<file path=ppt/theme/theme1.xml><?xml version="1.0" encoding="utf-8"?>
+<file path=ppt/theme/theme2.xml><?xml version="1.0" encoding="utf-8"?>
 <a:theme xmlns:a="http://schemas.openxmlformats.org/drawingml/2006/main" xmlns:r="http://schemas.openxmlformats.org/officeDocument/2006/relationships">
   <a:themeElements>
     <a:clrScheme name="Default">
@@ -8553,283 +9118,4 @@
     </a:fmtScheme>
   </a:themeElements>
 </a:theme>
-</file>
-
-<file path=ppt/theme/theme2.xml><?xml version="1.0" encoding="utf-8"?>
-<a:theme xmlns:a="http://schemas.openxmlformats.org/drawingml/2006/main" xmlns:r="http://schemas.openxmlformats.org/officeDocument/2006/relationships" name="Spearmint">
-  <a:themeElements>
-    <a:clrScheme name="Spearmint">
-      <a:dk1>
-        <a:srgbClr val="202729"/>
-      </a:dk1>
-      <a:lt1>
-        <a:srgbClr val="FFFFFF"/>
-      </a:lt1>
-      <a:dk2>
-        <a:srgbClr val="4BA173"/>
-      </a:dk2>
-      <a:lt2>
-        <a:srgbClr val="63D297"/>
-      </a:lt2>
-      <a:accent1>
-        <a:srgbClr val="353744"/>
-      </a:accent1>
-      <a:accent2>
-        <a:srgbClr val="424242"/>
-      </a:accent2>
-      <a:accent3>
-        <a:srgbClr val="616161"/>
-      </a:accent3>
-      <a:accent4>
-        <a:srgbClr val="999999"/>
-      </a:accent4>
-      <a:accent5>
-        <a:srgbClr val="FF5252"/>
-      </a:accent5>
-      <a:accent6>
-        <a:srgbClr val="FFF176"/>
-      </a:accent6>
-      <a:hlink>
-        <a:srgbClr val="FF5252"/>
-      </a:hlink>
-      <a:folHlink>
-        <a:srgbClr val="FF5252"/>
-      </a:folHlink>
-    </a:clrScheme>
-    <a:fontScheme name="Office">
-      <a:majorFont>
-        <a:latin typeface="Arial"/>
-        <a:ea typeface=""/>
-        <a:cs typeface=""/>
-        <a:font script="Jpan" typeface="ＭＳ Ｐゴシック"/>
-        <a:font script="Hang" typeface="맑은 고딕"/>
-        <a:font script="Hans" typeface="宋体"/>
-        <a:font script="Hant" typeface="新細明體"/>
-        <a:font script="Arab" typeface="Times New Roman"/>
-        <a:font script="Hebr" typeface="Times New Roman"/>
-        <a:font script="Thai" typeface="Angsana New"/>
-        <a:font script="Ethi" typeface="Nyala"/>
-        <a:font script="Beng" typeface="Vrinda"/>
-        <a:font script="Gujr" typeface="Shruti"/>
-        <a:font script="Khmr" typeface="MoolBoran"/>
-        <a:font script="Knda" typeface="Tunga"/>
-        <a:font script="Guru" typeface="Raavi"/>
-        <a:font script="Cans" typeface="Euphemia"/>
-        <a:font script="Cher" typeface="Plantagenet Cherokee"/>
-        <a:font script="Yiii" typeface="Microsoft Yi Baiti"/>
-        <a:font script="Tibt" typeface="Microsoft Himalaya"/>
-        <a:font script="Thaa" typeface="MV Boli"/>
-        <a:font script="Deva" typeface="Mangal"/>
-        <a:font script="Telu" typeface="Gautami"/>
-        <a:font script="Taml" typeface="Latha"/>
-        <a:font script="Syrc" typeface="Estrangelo Edessa"/>
-        <a:font script="Orya" typeface="Kalinga"/>
-        <a:font script="Mlym" typeface="Kartika"/>
-        <a:font script="Laoo" typeface="DokChampa"/>
-        <a:font script="Sinh" typeface="Iskoola Pota"/>
-        <a:font script="Mong" typeface="Mongolian Baiti"/>
-        <a:font script="Viet" typeface="Times New Roman"/>
-        <a:font script="Uigh" typeface="Microsoft Uighur"/>
-        <a:font script="Geor" typeface="Sylfaen"/>
-      </a:majorFont>
-      <a:minorFont>
-        <a:latin typeface="Arial"/>
-        <a:ea typeface=""/>
-        <a:cs typeface=""/>
-        <a:font script="Jpan" typeface="ＭＳ Ｐゴシック"/>
-        <a:font script="Hang" typeface="맑은 고딕"/>
-        <a:font script="Hans" typeface="宋体"/>
-        <a:font script="Hant" typeface="新細明體"/>
-        <a:font script="Arab" typeface="Arial"/>
-        <a:font script="Hebr" typeface="Arial"/>
-        <a:font script="Thai" typeface="Cordia New"/>
-        <a:font script="Ethi" typeface="Nyala"/>
-        <a:font script="Beng" typeface="Vrinda"/>
-        <a:font script="Gujr" typeface="Shruti"/>
-        <a:font script="Khmr" typeface="DaunPenh"/>
-        <a:font script="Knda" typeface="Tunga"/>
-        <a:font script="Guru" typeface="Raavi"/>
-        <a:font script="Cans" typeface="Euphemia"/>
-        <a:font script="Cher" typeface="Plantagenet Cherokee"/>
-        <a:font script="Yiii" typeface="Microsoft Yi Baiti"/>
-        <a:font script="Tibt" typeface="Microsoft Himalaya"/>
-        <a:font script="Thaa" typeface="MV Boli"/>
-        <a:font script="Deva" typeface="Mangal"/>
-        <a:font script="Telu" typeface="Gautami"/>
-        <a:font script="Taml" typeface="Latha"/>
-        <a:font script="Syrc" typeface="Estrangelo Edessa"/>
-        <a:font script="Orya" typeface="Kalinga"/>
-        <a:font script="Mlym" typeface="Kartika"/>
-        <a:font script="Laoo" typeface="DokChampa"/>
-        <a:font script="Sinh" typeface="Iskoola Pota"/>
-        <a:font script="Mong" typeface="Mongolian Baiti"/>
-        <a:font script="Viet" typeface="Arial"/>
-        <a:font script="Uigh" typeface="Microsoft Uighur"/>
-        <a:font script="Geor" typeface="Sylfaen"/>
-      </a:minorFont>
-    </a:fontScheme>
-    <a:fmtScheme name="Office">
-      <a:fillStyleLst>
-        <a:solidFill>
-          <a:schemeClr val="phClr"/>
-        </a:solidFill>
-        <a:gradFill rotWithShape="1">
-          <a:gsLst>
-            <a:gs pos="0">
-              <a:schemeClr val="phClr">
-                <a:tint val="50000"/>
-                <a:satMod val="300000"/>
-              </a:schemeClr>
-            </a:gs>
-            <a:gs pos="35000">
-              <a:schemeClr val="phClr">
-                <a:tint val="37000"/>
-                <a:satMod val="300000"/>
-              </a:schemeClr>
-            </a:gs>
-            <a:gs pos="100000">
-              <a:schemeClr val="phClr">
-                <a:tint val="15000"/>
-                <a:satMod val="350000"/>
-              </a:schemeClr>
-            </a:gs>
-          </a:gsLst>
-          <a:lin ang="16200000" scaled="1"/>
-        </a:gradFill>
-        <a:gradFill rotWithShape="1">
-          <a:gsLst>
-            <a:gs pos="0">
-              <a:schemeClr val="phClr">
-                <a:tint val="100000"/>
-                <a:shade val="100000"/>
-                <a:satMod val="130000"/>
-              </a:schemeClr>
-            </a:gs>
-            <a:gs pos="100000">
-              <a:schemeClr val="phClr">
-                <a:tint val="50000"/>
-                <a:shade val="100000"/>
-                <a:satMod val="350000"/>
-              </a:schemeClr>
-            </a:gs>
-          </a:gsLst>
-          <a:lin ang="16200000" scaled="0"/>
-        </a:gradFill>
-      </a:fillStyleLst>
-      <a:lnStyleLst>
-        <a:ln w="9525" cap="flat" cmpd="sng" algn="ctr">
-          <a:solidFill>
-            <a:schemeClr val="phClr">
-              <a:shade val="95000"/>
-              <a:satMod val="105000"/>
-            </a:schemeClr>
-          </a:solidFill>
-          <a:prstDash val="solid"/>
-        </a:ln>
-        <a:ln w="25400" cap="flat" cmpd="sng" algn="ctr">
-          <a:solidFill>
-            <a:schemeClr val="phClr"/>
-          </a:solidFill>
-          <a:prstDash val="solid"/>
-        </a:ln>
-        <a:ln w="38100" cap="flat" cmpd="sng" algn="ctr">
-          <a:solidFill>
-            <a:schemeClr val="phClr"/>
-          </a:solidFill>
-          <a:prstDash val="solid"/>
-        </a:ln>
-      </a:lnStyleLst>
-      <a:effectStyleLst>
-        <a:effectStyle>
-          <a:effectLst>
-            <a:outerShdw blurRad="40000" dist="20000" dir="5400000" rotWithShape="0">
-              <a:srgbClr val="000000">
-                <a:alpha val="38000"/>
-              </a:srgbClr>
-            </a:outerShdw>
-          </a:effectLst>
-        </a:effectStyle>
-        <a:effectStyle>
-          <a:effectLst>
-            <a:outerShdw blurRad="40000" dist="23000" dir="5400000" rotWithShape="0">
-              <a:srgbClr val="000000">
-                <a:alpha val="35000"/>
-              </a:srgbClr>
-            </a:outerShdw>
-          </a:effectLst>
-        </a:effectStyle>
-        <a:effectStyle>
-          <a:effectLst>
-            <a:outerShdw blurRad="40000" dist="23000" dir="5400000" rotWithShape="0">
-              <a:srgbClr val="000000">
-                <a:alpha val="35000"/>
-              </a:srgbClr>
-            </a:outerShdw>
-          </a:effectLst>
-          <a:scene3d>
-            <a:camera prst="orthographicFront">
-              <a:rot lat="0" lon="0" rev="0"/>
-            </a:camera>
-            <a:lightRig rig="threePt" dir="t">
-              <a:rot lat="0" lon="0" rev="1200000"/>
-            </a:lightRig>
-          </a:scene3d>
-          <a:sp3d>
-            <a:bevelT w="63500" h="25400"/>
-          </a:sp3d>
-        </a:effectStyle>
-      </a:effectStyleLst>
-      <a:bgFillStyleLst>
-        <a:solidFill>
-          <a:schemeClr val="phClr"/>
-        </a:solidFill>
-        <a:gradFill rotWithShape="1">
-          <a:gsLst>
-            <a:gs pos="0">
-              <a:schemeClr val="phClr">
-                <a:tint val="40000"/>
-                <a:satMod val="350000"/>
-              </a:schemeClr>
-            </a:gs>
-            <a:gs pos="40000">
-              <a:schemeClr val="phClr">
-                <a:tint val="45000"/>
-                <a:shade val="99000"/>
-                <a:satMod val="350000"/>
-              </a:schemeClr>
-            </a:gs>
-            <a:gs pos="100000">
-              <a:schemeClr val="phClr">
-                <a:shade val="20000"/>
-                <a:satMod val="255000"/>
-              </a:schemeClr>
-            </a:gs>
-          </a:gsLst>
-          <a:path path="circle">
-            <a:fillToRect l="50000" t="-80000" r="50000" b="180000"/>
-          </a:path>
-        </a:gradFill>
-        <a:gradFill rotWithShape="1">
-          <a:gsLst>
-            <a:gs pos="0">
-              <a:schemeClr val="phClr">
-                <a:tint val="80000"/>
-                <a:satMod val="300000"/>
-              </a:schemeClr>
-            </a:gs>
-            <a:gs pos="100000">
-              <a:schemeClr val="phClr">
-                <a:shade val="30000"/>
-                <a:satMod val="200000"/>
-              </a:schemeClr>
-            </a:gs>
-          </a:gsLst>
-          <a:path path="circle">
-            <a:fillToRect l="50000" t="50000" r="50000" b="50000"/>
-          </a:path>
-        </a:gradFill>
-      </a:bgFillStyleLst>
-    </a:fmtScheme>
-  </a:themeElements>
-</a:theme>
 </file>